--- a/活著為要敬拜你(崇拜版).pptx
+++ b/活著為要敬拜你(崇拜版).pptx
@@ -10,8 +10,14 @@
     <p:sldId id="258" r:id="rId4"/>
     <p:sldId id="259" r:id="rId5"/>
     <p:sldId id="260" r:id="rId6"/>
+    <p:sldId id="261" r:id="rId7"/>
+    <p:sldId id="262" r:id="rId8"/>
+    <p:sldId id="263" r:id="rId9"/>
+    <p:sldId id="264" r:id="rId10"/>
+    <p:sldId id="265" r:id="rId11"/>
+    <p:sldId id="266" r:id="rId12"/>
   </p:sldIdLst>
-  <p:sldSz cx="9144000" cy="6858000" type="screen4x3"/>
+  <p:sldSz cx="12192000" cy="6858000"/>
   <p:notesSz cx="6858000" cy="9144000"/>
   <p:defaultTextStyle>
     <a:defPPr>
@@ -108,6 +114,22 @@
       </a:defRPr>
     </a:lvl9pPr>
   </p:defaultTextStyle>
+  <p:extLst>
+    <p:ext uri="{EFAFB233-063F-42B5-8137-9DF3F51BA10A}">
+      <p15:sldGuideLst xmlns:p15="http://schemas.microsoft.com/office/powerpoint/2012/main">
+        <p15:guide id="1" orient="horz" pos="2160" userDrawn="1">
+          <p15:clr>
+            <a:srgbClr val="A4A3A4"/>
+          </p15:clr>
+        </p15:guide>
+        <p15:guide id="2" pos="3840" userDrawn="1">
+          <p15:clr>
+            <a:srgbClr val="A4A3A4"/>
+          </p15:clr>
+        </p15:guide>
+      </p15:sldGuideLst>
+    </p:ext>
+  </p:extLst>
 </p:presentation>
 </file>
 
@@ -140,8 +162,8 @@
         </p:nvSpPr>
         <p:spPr>
           <a:xfrm>
-            <a:off x="685800" y="2130425"/>
-            <a:ext cx="7772400" cy="1470025"/>
+            <a:off x="914400" y="2130426"/>
+            <a:ext cx="10363200" cy="1470025"/>
           </a:xfrm>
         </p:spPr>
         <p:txBody>
@@ -168,8 +190,8 @@
         </p:nvSpPr>
         <p:spPr>
           <a:xfrm>
-            <a:off x="1371600" y="3886200"/>
-            <a:ext cx="6400800" cy="1752600"/>
+            <a:off x="1828800" y="3886200"/>
+            <a:ext cx="8534400" cy="1752600"/>
           </a:xfrm>
         </p:spPr>
         <p:txBody>
@@ -292,7 +314,7 @@
           <a:p>
             <a:fld id="{2739EEB5-7168-4F77-91E9-27903F5B1FCF}" type="datetimeFigureOut">
               <a:rPr lang="zh-TW" altLang="en-US" smtClean="0"/>
-              <a:t>2018/4/7</a:t>
+              <a:t>2021/1/8</a:t>
             </a:fld>
             <a:endParaRPr lang="zh-TW" altLang="en-US"/>
           </a:p>
@@ -457,7 +479,7 @@
           <a:p>
             <a:fld id="{2739EEB5-7168-4F77-91E9-27903F5B1FCF}" type="datetimeFigureOut">
               <a:rPr lang="zh-TW" altLang="en-US" smtClean="0"/>
-              <a:t>2018/4/7</a:t>
+              <a:t>2021/1/8</a:t>
             </a:fld>
             <a:endParaRPr lang="zh-TW" altLang="en-US"/>
           </a:p>
@@ -542,8 +564,8 @@
         </p:nvSpPr>
         <p:spPr>
           <a:xfrm>
-            <a:off x="6629400" y="274638"/>
-            <a:ext cx="2057400" cy="5851525"/>
+            <a:off x="8839200" y="274639"/>
+            <a:ext cx="2743200" cy="5851525"/>
           </a:xfrm>
         </p:spPr>
         <p:txBody>
@@ -570,8 +592,8 @@
         </p:nvSpPr>
         <p:spPr>
           <a:xfrm>
-            <a:off x="457200" y="274638"/>
-            <a:ext cx="6019800" cy="5851525"/>
+            <a:off x="609600" y="274639"/>
+            <a:ext cx="8026400" cy="5851525"/>
           </a:xfrm>
         </p:spPr>
         <p:txBody>
@@ -632,7 +654,7 @@
           <a:p>
             <a:fld id="{2739EEB5-7168-4F77-91E9-27903F5B1FCF}" type="datetimeFigureOut">
               <a:rPr lang="zh-TW" altLang="en-US" smtClean="0"/>
-              <a:t>2018/4/7</a:t>
+              <a:t>2021/1/8</a:t>
             </a:fld>
             <a:endParaRPr lang="zh-TW" altLang="en-US"/>
           </a:p>
@@ -797,7 +819,7 @@
           <a:p>
             <a:fld id="{2739EEB5-7168-4F77-91E9-27903F5B1FCF}" type="datetimeFigureOut">
               <a:rPr lang="zh-TW" altLang="en-US" smtClean="0"/>
-              <a:t>2018/4/7</a:t>
+              <a:t>2021/1/8</a:t>
             </a:fld>
             <a:endParaRPr lang="zh-TW" altLang="en-US"/>
           </a:p>
@@ -882,8 +904,8 @@
         </p:nvSpPr>
         <p:spPr>
           <a:xfrm>
-            <a:off x="722313" y="4406900"/>
-            <a:ext cx="7772400" cy="1362075"/>
+            <a:off x="963084" y="4406901"/>
+            <a:ext cx="10363200" cy="1362075"/>
           </a:xfrm>
         </p:spPr>
         <p:txBody>
@@ -914,8 +936,8 @@
         </p:nvSpPr>
         <p:spPr>
           <a:xfrm>
-            <a:off x="722313" y="2906713"/>
-            <a:ext cx="7772400" cy="1500187"/>
+            <a:off x="963084" y="2906713"/>
+            <a:ext cx="10363200" cy="1500187"/>
           </a:xfrm>
         </p:spPr>
         <p:txBody>
@@ -1038,7 +1060,7 @@
           <a:p>
             <a:fld id="{2739EEB5-7168-4F77-91E9-27903F5B1FCF}" type="datetimeFigureOut">
               <a:rPr lang="zh-TW" altLang="en-US" smtClean="0"/>
-              <a:t>2018/4/7</a:t>
+              <a:t>2021/1/8</a:t>
             </a:fld>
             <a:endParaRPr lang="zh-TW" altLang="en-US"/>
           </a:p>
@@ -1146,8 +1168,8 @@
         </p:nvSpPr>
         <p:spPr>
           <a:xfrm>
-            <a:off x="457200" y="1600200"/>
-            <a:ext cx="4038600" cy="4525963"/>
+            <a:off x="609600" y="1600201"/>
+            <a:ext cx="5384800" cy="4525963"/>
           </a:xfrm>
         </p:spPr>
         <p:txBody>
@@ -1231,8 +1253,8 @@
         </p:nvSpPr>
         <p:spPr>
           <a:xfrm>
-            <a:off x="4648200" y="1600200"/>
-            <a:ext cx="4038600" cy="4525963"/>
+            <a:off x="6197600" y="1600201"/>
+            <a:ext cx="5384800" cy="4525963"/>
           </a:xfrm>
         </p:spPr>
         <p:txBody>
@@ -1321,7 +1343,7 @@
           <a:p>
             <a:fld id="{2739EEB5-7168-4F77-91E9-27903F5B1FCF}" type="datetimeFigureOut">
               <a:rPr lang="zh-TW" altLang="en-US" smtClean="0"/>
-              <a:t>2018/4/7</a:t>
+              <a:t>2021/1/8</a:t>
             </a:fld>
             <a:endParaRPr lang="zh-TW" altLang="en-US"/>
           </a:p>
@@ -1433,8 +1455,8 @@
         </p:nvSpPr>
         <p:spPr>
           <a:xfrm>
-            <a:off x="457200" y="1535113"/>
-            <a:ext cx="4040188" cy="639762"/>
+            <a:off x="609600" y="1535113"/>
+            <a:ext cx="5386917" cy="639762"/>
           </a:xfrm>
         </p:spPr>
         <p:txBody>
@@ -1498,8 +1520,8 @@
         </p:nvSpPr>
         <p:spPr>
           <a:xfrm>
-            <a:off x="457200" y="2174875"/>
-            <a:ext cx="4040188" cy="3951288"/>
+            <a:off x="609600" y="2174875"/>
+            <a:ext cx="5386917" cy="3951288"/>
           </a:xfrm>
         </p:spPr>
         <p:txBody>
@@ -1583,8 +1605,8 @@
         </p:nvSpPr>
         <p:spPr>
           <a:xfrm>
-            <a:off x="4645025" y="1535113"/>
-            <a:ext cx="4041775" cy="639762"/>
+            <a:off x="6193368" y="1535113"/>
+            <a:ext cx="5389033" cy="639762"/>
           </a:xfrm>
         </p:spPr>
         <p:txBody>
@@ -1648,8 +1670,8 @@
         </p:nvSpPr>
         <p:spPr>
           <a:xfrm>
-            <a:off x="4645025" y="2174875"/>
-            <a:ext cx="4041775" cy="3951288"/>
+            <a:off x="6193368" y="2174875"/>
+            <a:ext cx="5389033" cy="3951288"/>
           </a:xfrm>
         </p:spPr>
         <p:txBody>
@@ -1738,7 +1760,7 @@
           <a:p>
             <a:fld id="{2739EEB5-7168-4F77-91E9-27903F5B1FCF}" type="datetimeFigureOut">
               <a:rPr lang="zh-TW" altLang="en-US" smtClean="0"/>
-              <a:t>2018/4/7</a:t>
+              <a:t>2021/1/8</a:t>
             </a:fld>
             <a:endParaRPr lang="zh-TW" altLang="en-US"/>
           </a:p>
@@ -1851,7 +1873,7 @@
           <a:p>
             <a:fld id="{2739EEB5-7168-4F77-91E9-27903F5B1FCF}" type="datetimeFigureOut">
               <a:rPr lang="zh-TW" altLang="en-US" smtClean="0"/>
-              <a:t>2018/4/7</a:t>
+              <a:t>2021/1/8</a:t>
             </a:fld>
             <a:endParaRPr lang="zh-TW" altLang="en-US"/>
           </a:p>
@@ -1941,7 +1963,7 @@
           <a:p>
             <a:fld id="{2739EEB5-7168-4F77-91E9-27903F5B1FCF}" type="datetimeFigureOut">
               <a:rPr lang="zh-TW" altLang="en-US" smtClean="0"/>
-              <a:t>2018/4/7</a:t>
+              <a:t>2021/1/8</a:t>
             </a:fld>
             <a:endParaRPr lang="zh-TW" altLang="en-US"/>
           </a:p>
@@ -2026,8 +2048,8 @@
         </p:nvSpPr>
         <p:spPr>
           <a:xfrm>
-            <a:off x="457200" y="273050"/>
-            <a:ext cx="3008313" cy="1162050"/>
+            <a:off x="609601" y="273050"/>
+            <a:ext cx="4011084" cy="1162050"/>
           </a:xfrm>
         </p:spPr>
         <p:txBody>
@@ -2058,8 +2080,8 @@
         </p:nvSpPr>
         <p:spPr>
           <a:xfrm>
-            <a:off x="3575050" y="273050"/>
-            <a:ext cx="5111750" cy="5853113"/>
+            <a:off x="4766733" y="273051"/>
+            <a:ext cx="6815667" cy="5853113"/>
           </a:xfrm>
         </p:spPr>
         <p:txBody>
@@ -2143,8 +2165,8 @@
         </p:nvSpPr>
         <p:spPr>
           <a:xfrm>
-            <a:off x="457200" y="1435100"/>
-            <a:ext cx="3008313" cy="4691063"/>
+            <a:off x="609601" y="1435101"/>
+            <a:ext cx="4011084" cy="4691063"/>
           </a:xfrm>
         </p:spPr>
         <p:txBody>
@@ -2213,7 +2235,7 @@
           <a:p>
             <a:fld id="{2739EEB5-7168-4F77-91E9-27903F5B1FCF}" type="datetimeFigureOut">
               <a:rPr lang="zh-TW" altLang="en-US" smtClean="0"/>
-              <a:t>2018/4/7</a:t>
+              <a:t>2021/1/8</a:t>
             </a:fld>
             <a:endParaRPr lang="zh-TW" altLang="en-US"/>
           </a:p>
@@ -2298,8 +2320,8 @@
         </p:nvSpPr>
         <p:spPr>
           <a:xfrm>
-            <a:off x="1792288" y="4800600"/>
-            <a:ext cx="5486400" cy="566738"/>
+            <a:off x="2389717" y="4800600"/>
+            <a:ext cx="7315200" cy="566738"/>
           </a:xfrm>
         </p:spPr>
         <p:txBody>
@@ -2330,8 +2352,8 @@
         </p:nvSpPr>
         <p:spPr>
           <a:xfrm>
-            <a:off x="1792288" y="612775"/>
-            <a:ext cx="5486400" cy="4114800"/>
+            <a:off x="2389717" y="612775"/>
+            <a:ext cx="7315200" cy="4114800"/>
           </a:xfrm>
         </p:spPr>
         <p:txBody>
@@ -2395,8 +2417,8 @@
         </p:nvSpPr>
         <p:spPr>
           <a:xfrm>
-            <a:off x="1792288" y="5367338"/>
-            <a:ext cx="5486400" cy="804862"/>
+            <a:off x="2389717" y="5367338"/>
+            <a:ext cx="7315200" cy="804862"/>
           </a:xfrm>
         </p:spPr>
         <p:txBody>
@@ -2465,7 +2487,7 @@
           <a:p>
             <a:fld id="{2739EEB5-7168-4F77-91E9-27903F5B1FCF}" type="datetimeFigureOut">
               <a:rPr lang="zh-TW" altLang="en-US" smtClean="0"/>
-              <a:t>2018/4/7</a:t>
+              <a:t>2021/1/8</a:t>
             </a:fld>
             <a:endParaRPr lang="zh-TW" altLang="en-US"/>
           </a:p>
@@ -2560,8 +2582,8 @@
         </p:nvSpPr>
         <p:spPr>
           <a:xfrm>
-            <a:off x="457200" y="274638"/>
-            <a:ext cx="8229600" cy="1143000"/>
+            <a:off x="609600" y="274638"/>
+            <a:ext cx="10972800" cy="1143000"/>
           </a:xfrm>
           <a:prstGeom prst="rect">
             <a:avLst/>
@@ -2593,8 +2615,8 @@
         </p:nvSpPr>
         <p:spPr>
           <a:xfrm>
-            <a:off x="457200" y="1600200"/>
-            <a:ext cx="8229600" cy="4525963"/>
+            <a:off x="609600" y="1600201"/>
+            <a:ext cx="10972800" cy="4525963"/>
           </a:xfrm>
           <a:prstGeom prst="rect">
             <a:avLst/>
@@ -2655,8 +2677,8 @@
         </p:nvSpPr>
         <p:spPr>
           <a:xfrm>
-            <a:off x="457200" y="6356350"/>
-            <a:ext cx="2133600" cy="365125"/>
+            <a:off x="609600" y="6356351"/>
+            <a:ext cx="2844800" cy="365125"/>
           </a:xfrm>
           <a:prstGeom prst="rect">
             <a:avLst/>
@@ -2678,7 +2700,7 @@
           <a:p>
             <a:fld id="{2739EEB5-7168-4F77-91E9-27903F5B1FCF}" type="datetimeFigureOut">
               <a:rPr lang="zh-TW" altLang="en-US" smtClean="0"/>
-              <a:t>2018/4/7</a:t>
+              <a:t>2021/1/8</a:t>
             </a:fld>
             <a:endParaRPr lang="zh-TW" altLang="en-US"/>
           </a:p>
@@ -2696,8 +2718,8 @@
         </p:nvSpPr>
         <p:spPr>
           <a:xfrm>
-            <a:off x="3124200" y="6356350"/>
-            <a:ext cx="2895600" cy="365125"/>
+            <a:off x="4165600" y="6356351"/>
+            <a:ext cx="3860800" cy="365125"/>
           </a:xfrm>
           <a:prstGeom prst="rect">
             <a:avLst/>
@@ -2733,8 +2755,8 @@
         </p:nvSpPr>
         <p:spPr>
           <a:xfrm>
-            <a:off x="6553200" y="6356350"/>
-            <a:ext cx="2133600" cy="365125"/>
+            <a:off x="8737600" y="6356351"/>
+            <a:ext cx="2844800" cy="365125"/>
           </a:xfrm>
           <a:prstGeom prst="rect">
             <a:avLst/>
@@ -3058,22 +3080,179 @@
             <p:ph type="title"/>
           </p:nvPr>
         </p:nvSpPr>
-        <p:spPr/>
-        <p:txBody>
-          <a:bodyPr/>
-          <a:lstStyle/>
-          <a:p>
-            <a:r>
-              <a:rPr lang="zh-TW" altLang="en-US" b="1" dirty="0" smtClean="0">
-                <a:solidFill>
-                  <a:srgbClr val="000066"/>
-                </a:solidFill>
-                <a:latin typeface="微軟正黑體" pitchFamily="34" charset="-120"/>
-                <a:ea typeface="微軟正黑體" pitchFamily="34" charset="-120"/>
-              </a:rPr>
-              <a:t>活著為要敬拜你</a:t>
-            </a:r>
-            <a:endParaRPr lang="zh-TW" altLang="en-US" b="1" dirty="0">
+        <p:spPr>
+          <a:xfrm>
+            <a:off x="0" y="2857513"/>
+            <a:ext cx="12192000" cy="1143000"/>
+          </a:xfrm>
+        </p:spPr>
+        <p:txBody>
+          <a:bodyPr>
+            <a:noAutofit/>
+          </a:bodyPr>
+          <a:lstStyle/>
+          <a:p>
+            <a:r>
+              <a:rPr lang="zh-TW" altLang="en-US" sz="7200" b="1" i="1" dirty="0">
+                <a:solidFill>
+                  <a:srgbClr val="000066"/>
+                </a:solidFill>
+                <a:effectLst>
+                  <a:outerShdw blurRad="38100" dist="38100" dir="2700000" algn="tl">
+                    <a:srgbClr val="000000">
+                      <a:alpha val="43137"/>
+                    </a:srgbClr>
+                  </a:outerShdw>
+                </a:effectLst>
+                <a:latin typeface="微軟正黑體" pitchFamily="34" charset="-120"/>
+                <a:ea typeface="微軟正黑體" pitchFamily="34" charset="-120"/>
+              </a:rPr>
+              <a:t>活</a:t>
+            </a:r>
+            <a:r>
+              <a:rPr lang="zh-TW" altLang="en-US" sz="7200" b="1" i="1" dirty="0">
+                <a:solidFill>
+                  <a:srgbClr val="000066"/>
+                </a:solidFill>
+                <a:effectLst>
+                  <a:outerShdw blurRad="38100" dist="38100" dir="2700000" algn="tl">
+                    <a:srgbClr val="000000">
+                      <a:alpha val="43137"/>
+                    </a:srgbClr>
+                  </a:outerShdw>
+                </a:effectLst>
+                <a:latin typeface="微軟正黑體" pitchFamily="34" charset="-120"/>
+                <a:ea typeface="微軟正黑體" pitchFamily="34" charset="-120"/>
+              </a:rPr>
+              <a:t>著為要敬</a:t>
+            </a:r>
+            <a:r>
+              <a:rPr lang="zh-TW" altLang="en-US" sz="7200" b="1" i="1" dirty="0">
+                <a:solidFill>
+                  <a:srgbClr val="000066"/>
+                </a:solidFill>
+                <a:effectLst>
+                  <a:outerShdw blurRad="38100" dist="38100" dir="2700000" algn="tl">
+                    <a:srgbClr val="000000">
+                      <a:alpha val="43137"/>
+                    </a:srgbClr>
+                  </a:outerShdw>
+                </a:effectLst>
+                <a:latin typeface="微軟正黑體" pitchFamily="34" charset="-120"/>
+                <a:ea typeface="微軟正黑體" pitchFamily="34" charset="-120"/>
+              </a:rPr>
+              <a:t>拜</a:t>
+            </a:r>
+            <a:r>
+              <a:rPr lang="zh-CN" altLang="en-US" sz="7200" b="1" i="1" dirty="0">
+                <a:solidFill>
+                  <a:srgbClr val="000066"/>
+                </a:solidFill>
+                <a:effectLst>
+                  <a:outerShdw blurRad="38100" dist="38100" dir="2700000" algn="tl">
+                    <a:srgbClr val="000000">
+                      <a:alpha val="43137"/>
+                    </a:srgbClr>
+                  </a:outerShdw>
+                </a:effectLst>
+                <a:latin typeface="微軟正黑體" pitchFamily="34" charset="-120"/>
+                <a:ea typeface="微軟正黑體" pitchFamily="34" charset="-120"/>
+              </a:rPr>
+              <a:t>袮</a:t>
+            </a:r>
+            <a:endParaRPr lang="zh-TW" altLang="en-US" sz="7200" b="1" i="1" dirty="0">
+              <a:solidFill>
+                <a:srgbClr val="000066"/>
+              </a:solidFill>
+              <a:effectLst>
+                <a:outerShdw blurRad="38100" dist="38100" dir="2700000" algn="tl">
+                  <a:srgbClr val="000000">
+                    <a:alpha val="43137"/>
+                  </a:srgbClr>
+                </a:outerShdw>
+              </a:effectLst>
+              <a:latin typeface="微軟正黑體" pitchFamily="34" charset="-120"/>
+              <a:ea typeface="微軟正黑體" pitchFamily="34" charset="-120"/>
+            </a:endParaRPr>
+          </a:p>
+        </p:txBody>
+      </p:sp>
+    </p:spTree>
+    <p:extLst>
+      <p:ext uri="{BB962C8B-B14F-4D97-AF65-F5344CB8AC3E}">
+        <p14:creationId xmlns:p14="http://schemas.microsoft.com/office/powerpoint/2010/main" val="720391365"/>
+      </p:ext>
+    </p:extLst>
+  </p:cSld>
+  <p:clrMapOvr>
+    <a:masterClrMapping/>
+  </p:clrMapOvr>
+</p:sld>
+</file>
+
+<file path=ppt/slides/slide10.xml><?xml version="1.0" encoding="utf-8"?>
+<p:sld xmlns:a="http://schemas.openxmlformats.org/drawingml/2006/main" xmlns:r="http://schemas.openxmlformats.org/officeDocument/2006/relationships" xmlns:p="http://schemas.openxmlformats.org/presentationml/2006/main">
+  <p:cSld>
+    <p:spTree>
+      <p:nvGrpSpPr>
+        <p:cNvPr id="1" name=""/>
+        <p:cNvGrpSpPr/>
+        <p:nvPr/>
+      </p:nvGrpSpPr>
+      <p:grpSpPr>
+        <a:xfrm>
+          <a:off x="0" y="0"/>
+          <a:ext cx="0" cy="0"/>
+          <a:chOff x="0" y="0"/>
+          <a:chExt cx="0" cy="0"/>
+        </a:xfrm>
+      </p:grpSpPr>
+      <p:sp>
+        <p:nvSpPr>
+          <p:cNvPr id="5" name="內容版面配置區 4"/>
+          <p:cNvSpPr>
+            <a:spLocks noGrp="1"/>
+          </p:cNvSpPr>
+          <p:nvPr>
+            <p:ph idx="1"/>
+          </p:nvPr>
+        </p:nvSpPr>
+        <p:spPr>
+          <a:xfrm>
+            <a:off x="0" y="2084853"/>
+            <a:ext cx="12192000" cy="2404863"/>
+          </a:xfrm>
+        </p:spPr>
+        <p:txBody>
+          <a:bodyPr anchor="ctr">
+            <a:normAutofit/>
+          </a:bodyPr>
+          <a:lstStyle/>
+          <a:p>
+            <a:pPr algn="ctr">
+              <a:buNone/>
+            </a:pPr>
+            <a:r>
+              <a:rPr lang="zh-TW" altLang="en-US" sz="6400" b="1" dirty="0">
+                <a:solidFill>
+                  <a:srgbClr val="000066"/>
+                </a:solidFill>
+                <a:latin typeface="微軟正黑體" pitchFamily="34" charset="-120"/>
+                <a:ea typeface="微軟正黑體" pitchFamily="34" charset="-120"/>
+              </a:rPr>
+              <a:t>喔  我愛</a:t>
+            </a:r>
+            <a:r>
+              <a:rPr lang="zh-CN" altLang="en-US" sz="6400" b="1" dirty="0">
+                <a:solidFill>
+                  <a:srgbClr val="000066"/>
+                </a:solidFill>
+                <a:latin typeface="微軟正黑體" pitchFamily="34" charset="-120"/>
+                <a:ea typeface="微軟正黑體" pitchFamily="34" charset="-120"/>
+              </a:rPr>
+              <a:t>袮</a:t>
+            </a:r>
+            <a:endParaRPr lang="en-US" altLang="zh-TW" sz="6400" b="1" dirty="0">
               <a:solidFill>
                 <a:srgbClr val="000066"/>
               </a:solidFill>
@@ -3081,69 +3260,31 @@
               <a:ea typeface="微軟正黑體" pitchFamily="34" charset="-120"/>
             </a:endParaRPr>
           </a:p>
-        </p:txBody>
-      </p:sp>
-      <p:sp>
-        <p:nvSpPr>
-          <p:cNvPr id="5" name="內容版面配置區 4"/>
-          <p:cNvSpPr>
-            <a:spLocks noGrp="1"/>
-          </p:cNvSpPr>
-          <p:nvPr>
-            <p:ph idx="1"/>
-          </p:nvPr>
-        </p:nvSpPr>
-        <p:spPr/>
-        <p:txBody>
-          <a:bodyPr>
-            <a:normAutofit/>
-          </a:bodyPr>
-          <a:lstStyle/>
           <a:p>
             <a:pPr algn="ctr">
               <a:buNone/>
             </a:pPr>
             <a:r>
-              <a:rPr lang="zh-TW" altLang="en-US" sz="5400" b="1" dirty="0">
-                <a:solidFill>
-                  <a:srgbClr val="000066"/>
-                </a:solidFill>
-                <a:latin typeface="微軟正黑體" pitchFamily="34" charset="-120"/>
-                <a:ea typeface="微軟正黑體" pitchFamily="34" charset="-120"/>
-              </a:rPr>
-              <a:t>開我的</a:t>
-            </a:r>
-            <a:r>
-              <a:rPr lang="zh-TW" altLang="en-US" sz="5400" b="1" dirty="0" smtClean="0">
-                <a:solidFill>
-                  <a:srgbClr val="000066"/>
-                </a:solidFill>
-                <a:latin typeface="微軟正黑體" pitchFamily="34" charset="-120"/>
-                <a:ea typeface="微軟正黑體" pitchFamily="34" charset="-120"/>
-              </a:rPr>
-              <a:t>眼睛  讓</a:t>
-            </a:r>
-            <a:r>
-              <a:rPr lang="zh-TW" altLang="en-US" sz="5400" b="1" dirty="0">
-                <a:solidFill>
-                  <a:srgbClr val="000066"/>
-                </a:solidFill>
-                <a:latin typeface="微軟正黑體" pitchFamily="34" charset="-120"/>
-                <a:ea typeface="微軟正黑體" pitchFamily="34" charset="-120"/>
-              </a:rPr>
-              <a:t>我看見</a:t>
-            </a:r>
-            <a:r>
-              <a:rPr lang="zh-TW" altLang="en-US" sz="5400" b="1" dirty="0" smtClean="0">
-                <a:solidFill>
-                  <a:srgbClr val="000066"/>
-                </a:solidFill>
-                <a:latin typeface="微軟正黑體" pitchFamily="34" charset="-120"/>
-                <a:ea typeface="微軟正黑體" pitchFamily="34" charset="-120"/>
-              </a:rPr>
-              <a:t>你</a:t>
-            </a:r>
-            <a:endParaRPr lang="en-US" altLang="zh-TW" sz="5400" b="1" dirty="0" smtClean="0">
+              <a:rPr lang="zh-TW" altLang="en-US" sz="6400" b="1" dirty="0">
+                <a:solidFill>
+                  <a:srgbClr val="000066"/>
+                </a:solidFill>
+                <a:latin typeface="微軟正黑體" pitchFamily="34" charset="-120"/>
+                <a:ea typeface="微軟正黑體" pitchFamily="34" charset="-120"/>
+              </a:rPr>
+              <a:t>喔  全心敬拜</a:t>
+            </a:r>
+            <a:r>
+              <a:rPr lang="zh-CN" altLang="en-US" sz="6400" b="1" dirty="0">
+                <a:solidFill>
+                  <a:srgbClr val="000066"/>
+                </a:solidFill>
+                <a:latin typeface="微軟正黑體" pitchFamily="34" charset="-120"/>
+                <a:ea typeface="微軟正黑體" pitchFamily="34" charset="-120"/>
+              </a:rPr>
+              <a:t>袮</a:t>
+            </a:r>
+            <a:endParaRPr lang="en-US" altLang="zh-TW" sz="6400" b="1" dirty="0">
               <a:solidFill>
                 <a:srgbClr val="000066"/>
               </a:solidFill>
@@ -3151,41 +3292,74 @@
               <a:ea typeface="微軟正黑體" pitchFamily="34" charset="-120"/>
             </a:endParaRPr>
           </a:p>
+        </p:txBody>
+      </p:sp>
+    </p:spTree>
+    <p:extLst>
+      <p:ext uri="{BB962C8B-B14F-4D97-AF65-F5344CB8AC3E}">
+        <p14:creationId xmlns:p14="http://schemas.microsoft.com/office/powerpoint/2010/main" val="59813104"/>
+      </p:ext>
+    </p:extLst>
+  </p:cSld>
+  <p:clrMapOvr>
+    <a:masterClrMapping/>
+  </p:clrMapOvr>
+</p:sld>
+</file>
+
+<file path=ppt/slides/slide11.xml><?xml version="1.0" encoding="utf-8"?>
+<p:sld xmlns:a="http://schemas.openxmlformats.org/drawingml/2006/main" xmlns:r="http://schemas.openxmlformats.org/officeDocument/2006/relationships" xmlns:p="http://schemas.openxmlformats.org/presentationml/2006/main">
+  <p:cSld>
+    <p:spTree>
+      <p:nvGrpSpPr>
+        <p:cNvPr id="1" name=""/>
+        <p:cNvGrpSpPr/>
+        <p:nvPr/>
+      </p:nvGrpSpPr>
+      <p:grpSpPr>
+        <a:xfrm>
+          <a:off x="0" y="0"/>
+          <a:ext cx="0" cy="0"/>
+          <a:chOff x="0" y="0"/>
+          <a:chExt cx="0" cy="0"/>
+        </a:xfrm>
+      </p:grpSpPr>
+      <p:sp>
+        <p:nvSpPr>
+          <p:cNvPr id="5" name="內容版面配置區 4"/>
+          <p:cNvSpPr>
+            <a:spLocks noGrp="1"/>
+          </p:cNvSpPr>
+          <p:nvPr>
+            <p:ph idx="1"/>
+          </p:nvPr>
+        </p:nvSpPr>
+        <p:spPr>
+          <a:xfrm>
+            <a:off x="0" y="2084853"/>
+            <a:ext cx="12192000" cy="2404863"/>
+          </a:xfrm>
+        </p:spPr>
+        <p:txBody>
+          <a:bodyPr anchor="ctr">
+            <a:normAutofit/>
+          </a:bodyPr>
+          <a:lstStyle/>
           <a:p>
             <a:pPr algn="ctr">
               <a:buNone/>
             </a:pPr>
             <a:r>
-              <a:rPr lang="zh-TW" altLang="en-US" sz="5400" b="1" dirty="0" smtClean="0">
-                <a:solidFill>
-                  <a:srgbClr val="000066"/>
-                </a:solidFill>
-                <a:latin typeface="微軟正黑體" pitchFamily="34" charset="-120"/>
-                <a:ea typeface="微軟正黑體" pitchFamily="34" charset="-120"/>
-              </a:rPr>
-              <a:t>你</a:t>
-            </a:r>
-            <a:r>
-              <a:rPr lang="zh-TW" altLang="en-US" sz="5400" b="1" dirty="0">
-                <a:solidFill>
-                  <a:srgbClr val="000066"/>
-                </a:solidFill>
-                <a:latin typeface="微軟正黑體" pitchFamily="34" charset="-120"/>
-                <a:ea typeface="微軟正黑體" pitchFamily="34" charset="-120"/>
-              </a:rPr>
-              <a:t>榮美彰顯吸引我</a:t>
-            </a:r>
-            <a:r>
-              <a:rPr lang="zh-TW" altLang="en-US" sz="5400" b="1" dirty="0" smtClean="0">
-                <a:solidFill>
-                  <a:srgbClr val="000066"/>
-                </a:solidFill>
-                <a:latin typeface="微軟正黑體" pitchFamily="34" charset="-120"/>
-                <a:ea typeface="微軟正黑體" pitchFamily="34" charset="-120"/>
-              </a:rPr>
-              <a:t>心</a:t>
-            </a:r>
-            <a:endParaRPr lang="en-US" altLang="zh-TW" sz="5400" b="1" dirty="0" smtClean="0">
+              <a:rPr lang="zh-TW" altLang="en-US" sz="6400" b="1" dirty="0">
+                <a:solidFill>
+                  <a:srgbClr val="000066"/>
+                </a:solidFill>
+                <a:latin typeface="微軟正黑體" pitchFamily="34" charset="-120"/>
+                <a:ea typeface="微軟正黑體" pitchFamily="34" charset="-120"/>
+              </a:rPr>
+              <a:t>日夜不停歌唱  哈利路亞</a:t>
+            </a:r>
+            <a:endParaRPr lang="en-US" altLang="zh-TW" sz="6400" b="1" dirty="0">
               <a:solidFill>
                 <a:srgbClr val="000066"/>
               </a:solidFill>
@@ -3198,56 +3372,46 @@
               <a:buNone/>
             </a:pPr>
             <a:r>
-              <a:rPr lang="zh-TW" altLang="en-US" sz="5400" b="1" dirty="0" smtClean="0">
-                <a:solidFill>
-                  <a:srgbClr val="000066"/>
-                </a:solidFill>
-                <a:latin typeface="微軟正黑體" pitchFamily="34" charset="-120"/>
-                <a:ea typeface="微軟正黑體" pitchFamily="34" charset="-120"/>
-              </a:rPr>
-              <a:t>開</a:t>
-            </a:r>
-            <a:r>
-              <a:rPr lang="zh-TW" altLang="en-US" sz="5400" b="1" dirty="0">
-                <a:solidFill>
-                  <a:srgbClr val="000066"/>
-                </a:solidFill>
-                <a:latin typeface="微軟正黑體" pitchFamily="34" charset="-120"/>
-                <a:ea typeface="微軟正黑體" pitchFamily="34" charset="-120"/>
-              </a:rPr>
-              <a:t>我的</a:t>
-            </a:r>
-            <a:r>
-              <a:rPr lang="zh-TW" altLang="en-US" sz="5400" b="1" dirty="0" smtClean="0">
-                <a:solidFill>
-                  <a:srgbClr val="000066"/>
-                </a:solidFill>
-                <a:latin typeface="微軟正黑體" pitchFamily="34" charset="-120"/>
-                <a:ea typeface="微軟正黑體" pitchFamily="34" charset="-120"/>
-              </a:rPr>
-              <a:t>耳朵  讓</a:t>
-            </a:r>
-            <a:r>
-              <a:rPr lang="zh-TW" altLang="en-US" sz="5400" b="1" dirty="0">
-                <a:solidFill>
-                  <a:srgbClr val="000066"/>
-                </a:solidFill>
-                <a:latin typeface="微軟正黑體" pitchFamily="34" charset="-120"/>
-                <a:ea typeface="微軟正黑體" pitchFamily="34" charset="-120"/>
-              </a:rPr>
-              <a:t>我聽見</a:t>
-            </a:r>
-            <a:r>
-              <a:rPr lang="zh-TW" altLang="en-US" sz="5400" b="1" dirty="0" smtClean="0">
-                <a:solidFill>
-                  <a:srgbClr val="000066"/>
-                </a:solidFill>
-                <a:latin typeface="微軟正黑體" pitchFamily="34" charset="-120"/>
-                <a:ea typeface="微軟正黑體" pitchFamily="34" charset="-120"/>
-              </a:rPr>
-              <a:t>你</a:t>
-            </a:r>
-            <a:endParaRPr lang="en-US" altLang="zh-TW" sz="5400" b="1" dirty="0" smtClean="0">
+              <a:rPr lang="zh-TW" altLang="en-US" sz="6400" b="1" dirty="0">
+                <a:solidFill>
+                  <a:srgbClr val="000066"/>
+                </a:solidFill>
+                <a:latin typeface="微軟正黑體" pitchFamily="34" charset="-120"/>
+                <a:ea typeface="微軟正黑體" pitchFamily="34" charset="-120"/>
+              </a:rPr>
+              <a:t>我愛</a:t>
+            </a:r>
+            <a:r>
+              <a:rPr lang="zh-CN" altLang="en-US" sz="6400" b="1" dirty="0">
+                <a:solidFill>
+                  <a:srgbClr val="000066"/>
+                </a:solidFill>
+                <a:latin typeface="微軟正黑體" pitchFamily="34" charset="-120"/>
+                <a:ea typeface="微軟正黑體" pitchFamily="34" charset="-120"/>
+              </a:rPr>
+              <a:t>袮  </a:t>
+            </a:r>
+            <a:r>
+              <a:rPr lang="zh-TW" altLang="en-US" sz="6400" b="1" dirty="0">
+                <a:solidFill>
+                  <a:srgbClr val="000066"/>
+                </a:solidFill>
+                <a:latin typeface="微軟正黑體" pitchFamily="34" charset="-120"/>
+                <a:ea typeface="微軟正黑體" pitchFamily="34" charset="-120"/>
+              </a:rPr>
+              <a:t>我愛</a:t>
+            </a:r>
+            <a:r>
+              <a:rPr lang="zh-CN" altLang="en-US" sz="6400" b="1" dirty="0">
+                <a:solidFill>
+                  <a:srgbClr val="000066"/>
+                </a:solidFill>
+                <a:latin typeface="微軟正黑體" pitchFamily="34" charset="-120"/>
+                <a:ea typeface="微軟正黑體" pitchFamily="34" charset="-120"/>
+              </a:rPr>
+              <a:t>袮</a:t>
+            </a:r>
+            <a:endParaRPr lang="zh-TW" altLang="en-US" sz="6400" b="1" dirty="0">
               <a:solidFill>
                 <a:srgbClr val="000066"/>
               </a:solidFill>
@@ -3255,34 +3419,14 @@
               <a:ea typeface="微軟正黑體" pitchFamily="34" charset="-120"/>
             </a:endParaRPr>
           </a:p>
-          <a:p>
-            <a:pPr algn="ctr">
-              <a:buNone/>
-            </a:pPr>
-            <a:r>
-              <a:rPr lang="zh-TW" altLang="en-US" sz="5400" b="1" dirty="0" smtClean="0">
-                <a:solidFill>
-                  <a:srgbClr val="000066"/>
-                </a:solidFill>
-                <a:latin typeface="微軟正黑體" pitchFamily="34" charset="-120"/>
-                <a:ea typeface="微軟正黑體" pitchFamily="34" charset="-120"/>
-              </a:rPr>
-              <a:t>每</a:t>
-            </a:r>
-            <a:r>
-              <a:rPr lang="zh-TW" altLang="en-US" sz="5400" b="1" dirty="0">
-                <a:solidFill>
-                  <a:srgbClr val="000066"/>
-                </a:solidFill>
-                <a:latin typeface="微軟正黑體" pitchFamily="34" charset="-120"/>
-                <a:ea typeface="微軟正黑體" pitchFamily="34" charset="-120"/>
-              </a:rPr>
-              <a:t>句話都讓我更愛你</a:t>
-            </a:r>
-          </a:p>
         </p:txBody>
       </p:sp>
     </p:spTree>
+    <p:extLst>
+      <p:ext uri="{BB962C8B-B14F-4D97-AF65-F5344CB8AC3E}">
+        <p14:creationId xmlns:p14="http://schemas.microsoft.com/office/powerpoint/2010/main" val="2648244561"/>
+      </p:ext>
+    </p:extLst>
   </p:cSld>
   <p:clrMapOvr>
     <a:masterClrMapping/>
@@ -3309,30 +3453,50 @@
       </p:grpSpPr>
       <p:sp>
         <p:nvSpPr>
-          <p:cNvPr id="4" name="標題 3"/>
-          <p:cNvSpPr>
-            <a:spLocks noGrp="1"/>
-          </p:cNvSpPr>
-          <p:nvPr>
-            <p:ph type="title"/>
-          </p:nvPr>
-        </p:nvSpPr>
-        <p:spPr/>
-        <p:txBody>
-          <a:bodyPr/>
-          <a:lstStyle/>
-          <a:p>
-            <a:r>
-              <a:rPr lang="zh-TW" altLang="en-US" b="1" dirty="0" smtClean="0">
-                <a:solidFill>
-                  <a:srgbClr val="000066"/>
-                </a:solidFill>
-                <a:latin typeface="微軟正黑體" pitchFamily="34" charset="-120"/>
-                <a:ea typeface="微軟正黑體" pitchFamily="34" charset="-120"/>
-              </a:rPr>
-              <a:t>活著為要敬拜你</a:t>
-            </a:r>
-            <a:endParaRPr lang="zh-TW" altLang="en-US" b="1" dirty="0">
+          <p:cNvPr id="5" name="內容版面配置區 4"/>
+          <p:cNvSpPr>
+            <a:spLocks noGrp="1"/>
+          </p:cNvSpPr>
+          <p:nvPr>
+            <p:ph idx="1"/>
+          </p:nvPr>
+        </p:nvSpPr>
+        <p:spPr>
+          <a:xfrm>
+            <a:off x="0" y="2084853"/>
+            <a:ext cx="12192000" cy="2404863"/>
+          </a:xfrm>
+        </p:spPr>
+        <p:txBody>
+          <a:bodyPr anchor="ctr">
+            <a:normAutofit/>
+          </a:bodyPr>
+          <a:lstStyle/>
+          <a:p>
+            <a:pPr algn="ctr">
+              <a:buNone/>
+            </a:pPr>
+            <a:r>
+              <a:rPr lang="zh-TW" altLang="en-US" sz="6400" b="1" dirty="0">
+                <a:solidFill>
+                  <a:srgbClr val="000066"/>
+                </a:solidFill>
+                <a:latin typeface="微軟正黑體" pitchFamily="34" charset="-120"/>
+                <a:ea typeface="微軟正黑體" pitchFamily="34" charset="-120"/>
+              </a:rPr>
+              <a:t>開我的眼睛  讓我看見</a:t>
+            </a:r>
+            <a:r>
+              <a:rPr lang="zh-CN" altLang="en-US" sz="6400" b="1" dirty="0">
+                <a:solidFill>
+                  <a:srgbClr val="000066"/>
+                </a:solidFill>
+                <a:latin typeface="微軟正黑體" pitchFamily="34" charset="-120"/>
+                <a:ea typeface="微軟正黑體" pitchFamily="34" charset="-120"/>
+              </a:rPr>
+              <a:t>袮</a:t>
+            </a:r>
+            <a:endParaRPr lang="en-US" altLang="zh-TW" sz="6400" b="1" dirty="0">
               <a:solidFill>
                 <a:srgbClr val="000066"/>
               </a:solidFill>
@@ -3340,39 +3504,31 @@
               <a:ea typeface="微軟正黑體" pitchFamily="34" charset="-120"/>
             </a:endParaRPr>
           </a:p>
-        </p:txBody>
-      </p:sp>
-      <p:sp>
-        <p:nvSpPr>
-          <p:cNvPr id="5" name="內容版面配置區 4"/>
-          <p:cNvSpPr>
-            <a:spLocks noGrp="1"/>
-          </p:cNvSpPr>
-          <p:nvPr>
-            <p:ph idx="1"/>
-          </p:nvPr>
-        </p:nvSpPr>
-        <p:spPr/>
-        <p:txBody>
-          <a:bodyPr>
-            <a:normAutofit/>
-          </a:bodyPr>
-          <a:lstStyle/>
           <a:p>
             <a:pPr algn="ctr">
               <a:buNone/>
             </a:pPr>
             <a:r>
-              <a:rPr lang="zh-TW" altLang="en-US" sz="5400" b="1" dirty="0" smtClean="0">
-                <a:solidFill>
-                  <a:srgbClr val="000066"/>
-                </a:solidFill>
-                <a:latin typeface="微軟正黑體" pitchFamily="34" charset="-120"/>
-                <a:ea typeface="微軟正黑體" pitchFamily="34" charset="-120"/>
-              </a:rPr>
-              <a:t>活著為要敬拜你</a:t>
-            </a:r>
-            <a:endParaRPr lang="en-US" altLang="zh-TW" sz="5400" b="1" dirty="0" smtClean="0">
+              <a:rPr lang="zh-CN" altLang="en-US" sz="6400" b="1" dirty="0">
+                <a:solidFill>
+                  <a:srgbClr val="000066"/>
+                </a:solidFill>
+                <a:latin typeface="微軟正黑體" pitchFamily="34" charset="-120"/>
+                <a:ea typeface="微軟正黑體" pitchFamily="34" charset="-120"/>
+              </a:rPr>
+              <a:t>袮</a:t>
+            </a:r>
+            <a:r>
+              <a:rPr lang="zh-TW" altLang="en-US" sz="6400" b="1" dirty="0">
+                <a:solidFill>
+                  <a:srgbClr val="000066"/>
+                </a:solidFill>
+                <a:latin typeface="微軟正黑體" pitchFamily="34" charset="-120"/>
+                <a:ea typeface="微軟正黑體" pitchFamily="34" charset="-120"/>
+              </a:rPr>
+              <a:t>榮美彰顯吸引我心</a:t>
+            </a:r>
+            <a:endParaRPr lang="en-US" altLang="zh-TW" sz="6400" b="1" dirty="0">
               <a:solidFill>
                 <a:srgbClr val="000066"/>
               </a:solidFill>
@@ -3380,68 +3536,14 @@
               <a:ea typeface="微軟正黑體" pitchFamily="34" charset="-120"/>
             </a:endParaRPr>
           </a:p>
-          <a:p>
-            <a:pPr algn="ctr">
-              <a:buNone/>
-            </a:pPr>
-            <a:r>
-              <a:rPr lang="zh-TW" altLang="en-US" sz="5400" b="1" dirty="0" smtClean="0">
-                <a:solidFill>
-                  <a:srgbClr val="000066"/>
-                </a:solidFill>
-                <a:latin typeface="微軟正黑體" pitchFamily="34" charset="-120"/>
-                <a:ea typeface="微軟正黑體" pitchFamily="34" charset="-120"/>
-              </a:rPr>
-              <a:t>活著為要全心來愛你</a:t>
-            </a:r>
-            <a:endParaRPr lang="en-US" altLang="zh-TW" sz="5400" b="1" dirty="0" smtClean="0">
-              <a:solidFill>
-                <a:srgbClr val="000066"/>
-              </a:solidFill>
-              <a:latin typeface="微軟正黑體" pitchFamily="34" charset="-120"/>
-              <a:ea typeface="微軟正黑體" pitchFamily="34" charset="-120"/>
-            </a:endParaRPr>
-          </a:p>
-          <a:p>
-            <a:pPr algn="ctr">
-              <a:buNone/>
-            </a:pPr>
-            <a:r>
-              <a:rPr lang="zh-TW" altLang="en-US" sz="5400" b="1" dirty="0" smtClean="0">
-                <a:solidFill>
-                  <a:srgbClr val="000066"/>
-                </a:solidFill>
-                <a:latin typeface="微軟正黑體" pitchFamily="34" charset="-120"/>
-                <a:ea typeface="微軟正黑體" pitchFamily="34" charset="-120"/>
-              </a:rPr>
-              <a:t>俯伏在你榮耀中</a:t>
-            </a:r>
-            <a:endParaRPr lang="en-US" altLang="zh-TW" sz="5400" b="1" dirty="0" smtClean="0">
-              <a:solidFill>
-                <a:srgbClr val="000066"/>
-              </a:solidFill>
-              <a:latin typeface="微軟正黑體" pitchFamily="34" charset="-120"/>
-              <a:ea typeface="微軟正黑體" pitchFamily="34" charset="-120"/>
-            </a:endParaRPr>
-          </a:p>
-          <a:p>
-            <a:pPr algn="ctr">
-              <a:buNone/>
-            </a:pPr>
-            <a:r>
-              <a:rPr lang="zh-TW" altLang="en-US" sz="5400" b="1" dirty="0" smtClean="0">
-                <a:solidFill>
-                  <a:srgbClr val="000066"/>
-                </a:solidFill>
-                <a:latin typeface="微軟正黑體" pitchFamily="34" charset="-120"/>
-                <a:ea typeface="微軟正黑體" pitchFamily="34" charset="-120"/>
-              </a:rPr>
-              <a:t>你的榮美無人能及</a:t>
-            </a:r>
-          </a:p>
         </p:txBody>
       </p:sp>
     </p:spTree>
+    <p:extLst>
+      <p:ext uri="{BB962C8B-B14F-4D97-AF65-F5344CB8AC3E}">
+        <p14:creationId xmlns:p14="http://schemas.microsoft.com/office/powerpoint/2010/main" val="7590874"/>
+      </p:ext>
+    </p:extLst>
   </p:cSld>
   <p:clrMapOvr>
     <a:masterClrMapping/>
@@ -3468,30 +3570,50 @@
       </p:grpSpPr>
       <p:sp>
         <p:nvSpPr>
-          <p:cNvPr id="4" name="標題 3"/>
-          <p:cNvSpPr>
-            <a:spLocks noGrp="1"/>
-          </p:cNvSpPr>
-          <p:nvPr>
-            <p:ph type="title"/>
-          </p:nvPr>
-        </p:nvSpPr>
-        <p:spPr/>
-        <p:txBody>
-          <a:bodyPr/>
-          <a:lstStyle/>
-          <a:p>
-            <a:r>
-              <a:rPr lang="zh-TW" altLang="en-US" b="1" dirty="0" smtClean="0">
-                <a:solidFill>
-                  <a:srgbClr val="000066"/>
-                </a:solidFill>
-                <a:latin typeface="微軟正黑體" pitchFamily="34" charset="-120"/>
-                <a:ea typeface="微軟正黑體" pitchFamily="34" charset="-120"/>
-              </a:rPr>
-              <a:t>活著為要敬拜你</a:t>
-            </a:r>
-            <a:endParaRPr lang="zh-TW" altLang="en-US" b="1" dirty="0">
+          <p:cNvPr id="5" name="內容版面配置區 4"/>
+          <p:cNvSpPr>
+            <a:spLocks noGrp="1"/>
+          </p:cNvSpPr>
+          <p:nvPr>
+            <p:ph idx="1"/>
+          </p:nvPr>
+        </p:nvSpPr>
+        <p:spPr>
+          <a:xfrm>
+            <a:off x="0" y="2084853"/>
+            <a:ext cx="12192000" cy="2404863"/>
+          </a:xfrm>
+        </p:spPr>
+        <p:txBody>
+          <a:bodyPr anchor="ctr">
+            <a:normAutofit/>
+          </a:bodyPr>
+          <a:lstStyle/>
+          <a:p>
+            <a:pPr algn="ctr">
+              <a:buNone/>
+            </a:pPr>
+            <a:r>
+              <a:rPr lang="zh-TW" altLang="en-US" sz="6400" b="1" dirty="0">
+                <a:solidFill>
+                  <a:srgbClr val="000066"/>
+                </a:solidFill>
+                <a:latin typeface="微軟正黑體" pitchFamily="34" charset="-120"/>
+                <a:ea typeface="微軟正黑體" pitchFamily="34" charset="-120"/>
+              </a:rPr>
+              <a:t>開我的耳朵  讓我聽見</a:t>
+            </a:r>
+            <a:r>
+              <a:rPr lang="zh-CN" altLang="en-US" sz="6400" b="1" dirty="0">
+                <a:solidFill>
+                  <a:srgbClr val="000066"/>
+                </a:solidFill>
+                <a:latin typeface="微軟正黑體" pitchFamily="34" charset="-120"/>
+                <a:ea typeface="微軟正黑體" pitchFamily="34" charset="-120"/>
+              </a:rPr>
+              <a:t>袮</a:t>
+            </a:r>
+            <a:endParaRPr lang="en-US" altLang="zh-TW" sz="6400" b="1" dirty="0">
               <a:solidFill>
                 <a:srgbClr val="000066"/>
               </a:solidFill>
@@ -3499,39 +3621,31 @@
               <a:ea typeface="微軟正黑體" pitchFamily="34" charset="-120"/>
             </a:endParaRPr>
           </a:p>
-        </p:txBody>
-      </p:sp>
-      <p:sp>
-        <p:nvSpPr>
-          <p:cNvPr id="5" name="內容版面配置區 4"/>
-          <p:cNvSpPr>
-            <a:spLocks noGrp="1"/>
-          </p:cNvSpPr>
-          <p:nvPr>
-            <p:ph idx="1"/>
-          </p:nvPr>
-        </p:nvSpPr>
-        <p:spPr/>
-        <p:txBody>
-          <a:bodyPr>
-            <a:normAutofit/>
-          </a:bodyPr>
-          <a:lstStyle/>
           <a:p>
             <a:pPr algn="ctr">
               <a:buNone/>
             </a:pPr>
             <a:r>
-              <a:rPr lang="zh-TW" altLang="en-US" sz="5400" b="1" dirty="0" smtClean="0">
-                <a:solidFill>
-                  <a:srgbClr val="000066"/>
-                </a:solidFill>
-                <a:latin typeface="微軟正黑體" pitchFamily="34" charset="-120"/>
-                <a:ea typeface="微軟正黑體" pitchFamily="34" charset="-120"/>
-              </a:rPr>
-              <a:t>活著為要敬拜你</a:t>
-            </a:r>
-            <a:endParaRPr lang="en-US" altLang="zh-TW" sz="5400" b="1" dirty="0" smtClean="0">
+              <a:rPr lang="zh-TW" altLang="en-US" sz="6400" b="1" dirty="0">
+                <a:solidFill>
+                  <a:srgbClr val="000066"/>
+                </a:solidFill>
+                <a:latin typeface="微軟正黑體" pitchFamily="34" charset="-120"/>
+                <a:ea typeface="微軟正黑體" pitchFamily="34" charset="-120"/>
+              </a:rPr>
+              <a:t>每句話都讓我更愛</a:t>
+            </a:r>
+            <a:r>
+              <a:rPr lang="zh-CN" altLang="en-US" sz="6400" b="1" dirty="0">
+                <a:solidFill>
+                  <a:srgbClr val="000066"/>
+                </a:solidFill>
+                <a:latin typeface="微軟正黑體" pitchFamily="34" charset="-120"/>
+                <a:ea typeface="微軟正黑體" pitchFamily="34" charset="-120"/>
+              </a:rPr>
+              <a:t>袮</a:t>
+            </a:r>
+            <a:endParaRPr lang="zh-TW" altLang="en-US" sz="6400" b="1" dirty="0">
               <a:solidFill>
                 <a:srgbClr val="000066"/>
               </a:solidFill>
@@ -3539,88 +3653,14 @@
               <a:ea typeface="微軟正黑體" pitchFamily="34" charset="-120"/>
             </a:endParaRPr>
           </a:p>
-          <a:p>
-            <a:pPr algn="ctr">
-              <a:buNone/>
-            </a:pPr>
-            <a:r>
-              <a:rPr lang="zh-TW" altLang="en-US" sz="5400" b="1" dirty="0" smtClean="0">
-                <a:solidFill>
-                  <a:srgbClr val="000066"/>
-                </a:solidFill>
-                <a:latin typeface="微軟正黑體" pitchFamily="34" charset="-120"/>
-                <a:ea typeface="微軟正黑體" pitchFamily="34" charset="-120"/>
-              </a:rPr>
-              <a:t>活著為要全心來愛你</a:t>
-            </a:r>
-            <a:endParaRPr lang="en-US" altLang="zh-TW" sz="5400" b="1" dirty="0" smtClean="0">
-              <a:solidFill>
-                <a:srgbClr val="000066"/>
-              </a:solidFill>
-              <a:latin typeface="微軟正黑體" pitchFamily="34" charset="-120"/>
-              <a:ea typeface="微軟正黑體" pitchFamily="34" charset="-120"/>
-            </a:endParaRPr>
-          </a:p>
-          <a:p>
-            <a:pPr algn="ctr">
-              <a:buNone/>
-            </a:pPr>
-            <a:r>
-              <a:rPr lang="zh-TW" altLang="en-US" sz="5400" b="1" dirty="0" smtClean="0">
-                <a:solidFill>
-                  <a:srgbClr val="000066"/>
-                </a:solidFill>
-                <a:latin typeface="微軟正黑體" pitchFamily="34" charset="-120"/>
-                <a:ea typeface="微軟正黑體" pitchFamily="34" charset="-120"/>
-              </a:rPr>
-              <a:t>永遠住在你殿中</a:t>
-            </a:r>
-            <a:endParaRPr lang="en-US" altLang="zh-TW" sz="5400" b="1" dirty="0" smtClean="0">
-              <a:solidFill>
-                <a:srgbClr val="000066"/>
-              </a:solidFill>
-              <a:latin typeface="微軟正黑體" pitchFamily="34" charset="-120"/>
-              <a:ea typeface="微軟正黑體" pitchFamily="34" charset="-120"/>
-            </a:endParaRPr>
-          </a:p>
-          <a:p>
-            <a:pPr algn="ctr">
-              <a:buNone/>
-            </a:pPr>
-            <a:r>
-              <a:rPr lang="zh-TW" altLang="en-US" sz="5400" b="1" dirty="0" smtClean="0">
-                <a:solidFill>
-                  <a:srgbClr val="000066"/>
-                </a:solidFill>
-                <a:latin typeface="微軟正黑體" pitchFamily="34" charset="-120"/>
-                <a:ea typeface="微軟正黑體" pitchFamily="34" charset="-120"/>
-              </a:rPr>
-              <a:t>昔在今在永在的主</a:t>
-            </a:r>
-            <a:r>
-              <a:rPr lang="en-US" altLang="zh-TW" sz="5400" b="1" dirty="0" smtClean="0">
-                <a:solidFill>
-                  <a:srgbClr val="000066"/>
-                </a:solidFill>
-                <a:latin typeface="微軟正黑體" pitchFamily="34" charset="-120"/>
-                <a:ea typeface="微軟正黑體" pitchFamily="34" charset="-120"/>
-              </a:rPr>
-              <a:t>  </a:t>
-            </a:r>
-            <a:r>
-              <a:rPr lang="zh-TW" altLang="en-US" sz="5400" b="1" dirty="0" smtClean="0">
-                <a:solidFill>
-                  <a:srgbClr val="000066"/>
-                </a:solidFill>
-                <a:latin typeface="微軟正黑體" pitchFamily="34" charset="-120"/>
-                <a:ea typeface="微軟正黑體" pitchFamily="34" charset="-120"/>
-              </a:rPr>
-              <a:t>我愛你</a:t>
-            </a:r>
-          </a:p>
         </p:txBody>
       </p:sp>
     </p:spTree>
+    <p:extLst>
+      <p:ext uri="{BB962C8B-B14F-4D97-AF65-F5344CB8AC3E}">
+        <p14:creationId xmlns:p14="http://schemas.microsoft.com/office/powerpoint/2010/main" val="176009966"/>
+      </p:ext>
+    </p:extLst>
   </p:cSld>
   <p:clrMapOvr>
     <a:masterClrMapping/>
@@ -3647,30 +3687,50 @@
       </p:grpSpPr>
       <p:sp>
         <p:nvSpPr>
-          <p:cNvPr id="4" name="標題 3"/>
-          <p:cNvSpPr>
-            <a:spLocks noGrp="1"/>
-          </p:cNvSpPr>
-          <p:nvPr>
-            <p:ph type="title"/>
-          </p:nvPr>
-        </p:nvSpPr>
-        <p:spPr/>
-        <p:txBody>
-          <a:bodyPr/>
-          <a:lstStyle/>
-          <a:p>
-            <a:r>
-              <a:rPr lang="zh-TW" altLang="en-US" b="1" dirty="0" smtClean="0">
-                <a:solidFill>
-                  <a:srgbClr val="000066"/>
-                </a:solidFill>
-                <a:latin typeface="微軟正黑體" pitchFamily="34" charset="-120"/>
-                <a:ea typeface="微軟正黑體" pitchFamily="34" charset="-120"/>
-              </a:rPr>
-              <a:t>活著為要敬拜你</a:t>
-            </a:r>
-            <a:endParaRPr lang="zh-TW" altLang="en-US" b="1" dirty="0">
+          <p:cNvPr id="5" name="內容版面配置區 4"/>
+          <p:cNvSpPr>
+            <a:spLocks noGrp="1"/>
+          </p:cNvSpPr>
+          <p:nvPr>
+            <p:ph idx="1"/>
+          </p:nvPr>
+        </p:nvSpPr>
+        <p:spPr>
+          <a:xfrm>
+            <a:off x="0" y="2084853"/>
+            <a:ext cx="12192000" cy="2404863"/>
+          </a:xfrm>
+        </p:spPr>
+        <p:txBody>
+          <a:bodyPr anchor="ctr">
+            <a:normAutofit/>
+          </a:bodyPr>
+          <a:lstStyle/>
+          <a:p>
+            <a:pPr algn="ctr">
+              <a:buNone/>
+            </a:pPr>
+            <a:r>
+              <a:rPr lang="zh-TW" altLang="en-US" sz="6400" b="1" dirty="0">
+                <a:solidFill>
+                  <a:srgbClr val="000066"/>
+                </a:solidFill>
+                <a:latin typeface="微軟正黑體" pitchFamily="34" charset="-120"/>
+                <a:ea typeface="微軟正黑體" pitchFamily="34" charset="-120"/>
+              </a:rPr>
+              <a:t>活著為要敬拜</a:t>
+            </a:r>
+            <a:r>
+              <a:rPr lang="zh-CN" altLang="en-US" sz="6400" b="1" dirty="0">
+                <a:solidFill>
+                  <a:srgbClr val="000066"/>
+                </a:solidFill>
+                <a:latin typeface="微軟正黑體" pitchFamily="34" charset="-120"/>
+                <a:ea typeface="微軟正黑體" pitchFamily="34" charset="-120"/>
+              </a:rPr>
+              <a:t>袮</a:t>
+            </a:r>
+            <a:endParaRPr lang="en-US" altLang="zh-TW" sz="6400" b="1" dirty="0">
               <a:solidFill>
                 <a:srgbClr val="000066"/>
               </a:solidFill>
@@ -3678,44 +3738,31 @@
               <a:ea typeface="微軟正黑體" pitchFamily="34" charset="-120"/>
             </a:endParaRPr>
           </a:p>
-        </p:txBody>
-      </p:sp>
-      <p:sp>
-        <p:nvSpPr>
-          <p:cNvPr id="5" name="內容版面配置區 4"/>
-          <p:cNvSpPr>
-            <a:spLocks noGrp="1"/>
-          </p:cNvSpPr>
-          <p:nvPr>
-            <p:ph idx="1"/>
-          </p:nvPr>
-        </p:nvSpPr>
-        <p:spPr>
-          <a:xfrm>
-            <a:off x="0" y="1600200"/>
-            <a:ext cx="9144000" cy="5257800"/>
-          </a:xfrm>
-        </p:spPr>
-        <p:txBody>
-          <a:bodyPr>
-            <a:normAutofit/>
-          </a:bodyPr>
-          <a:lstStyle/>
           <a:p>
             <a:pPr algn="ctr">
               <a:buNone/>
             </a:pPr>
             <a:r>
-              <a:rPr lang="zh-TW" altLang="en-US" sz="5400" b="1" dirty="0" smtClean="0">
-                <a:solidFill>
-                  <a:srgbClr val="000066"/>
-                </a:solidFill>
-                <a:latin typeface="微軟正黑體" pitchFamily="34" charset="-120"/>
-                <a:ea typeface="微軟正黑體" pitchFamily="34" charset="-120"/>
-              </a:rPr>
-              <a:t>喔  我愛你</a:t>
-            </a:r>
-            <a:endParaRPr lang="en-US" altLang="zh-TW" sz="5400" b="1" dirty="0" smtClean="0">
+              <a:rPr lang="zh-TW" altLang="en-US" sz="6400" b="1" dirty="0">
+                <a:solidFill>
+                  <a:srgbClr val="000066"/>
+                </a:solidFill>
+                <a:latin typeface="微軟正黑體" pitchFamily="34" charset="-120"/>
+                <a:ea typeface="微軟正黑體" pitchFamily="34" charset="-120"/>
+              </a:rPr>
+              <a:t>活著為要全心來愛</a:t>
+            </a:r>
+            <a:r>
+              <a:rPr lang="zh-CN" altLang="en-US" sz="6400" b="1" dirty="0">
+                <a:solidFill>
+                  <a:srgbClr val="000066"/>
+                </a:solidFill>
+                <a:latin typeface="微軟正黑體" pitchFamily="34" charset="-120"/>
+                <a:ea typeface="微軟正黑體" pitchFamily="34" charset="-120"/>
+              </a:rPr>
+              <a:t>袮</a:t>
+            </a:r>
+            <a:endParaRPr lang="en-US" altLang="zh-TW" sz="6400" b="1" dirty="0">
               <a:solidFill>
                 <a:srgbClr val="000066"/>
               </a:solidFill>
@@ -3723,68 +3770,14 @@
               <a:ea typeface="微軟正黑體" pitchFamily="34" charset="-120"/>
             </a:endParaRPr>
           </a:p>
-          <a:p>
-            <a:pPr algn="ctr">
-              <a:buNone/>
-            </a:pPr>
-            <a:r>
-              <a:rPr lang="zh-TW" altLang="en-US" sz="5400" b="1" dirty="0" smtClean="0">
-                <a:solidFill>
-                  <a:srgbClr val="000066"/>
-                </a:solidFill>
-                <a:latin typeface="微軟正黑體" pitchFamily="34" charset="-120"/>
-                <a:ea typeface="微軟正黑體" pitchFamily="34" charset="-120"/>
-              </a:rPr>
-              <a:t>喔  全心敬拜你</a:t>
-            </a:r>
-            <a:endParaRPr lang="en-US" altLang="zh-TW" sz="5400" b="1" dirty="0" smtClean="0">
-              <a:solidFill>
-                <a:srgbClr val="000066"/>
-              </a:solidFill>
-              <a:latin typeface="微軟正黑體" pitchFamily="34" charset="-120"/>
-              <a:ea typeface="微軟正黑體" pitchFamily="34" charset="-120"/>
-            </a:endParaRPr>
-          </a:p>
-          <a:p>
-            <a:pPr algn="ctr">
-              <a:buNone/>
-            </a:pPr>
-            <a:r>
-              <a:rPr lang="zh-TW" altLang="en-US" sz="5400" b="1" dirty="0" smtClean="0">
-                <a:solidFill>
-                  <a:srgbClr val="000066"/>
-                </a:solidFill>
-                <a:latin typeface="微軟正黑體" pitchFamily="34" charset="-120"/>
-                <a:ea typeface="微軟正黑體" pitchFamily="34" charset="-120"/>
-              </a:rPr>
-              <a:t>日夜不停歌唱  哈利路亞</a:t>
-            </a:r>
-            <a:endParaRPr lang="en-US" altLang="zh-TW" sz="5400" b="1" dirty="0" smtClean="0">
-              <a:solidFill>
-                <a:srgbClr val="000066"/>
-              </a:solidFill>
-              <a:latin typeface="微軟正黑體" pitchFamily="34" charset="-120"/>
-              <a:ea typeface="微軟正黑體" pitchFamily="34" charset="-120"/>
-            </a:endParaRPr>
-          </a:p>
-          <a:p>
-            <a:pPr algn="ctr">
-              <a:buNone/>
-            </a:pPr>
-            <a:r>
-              <a:rPr lang="zh-TW" altLang="en-US" sz="5400" b="1" dirty="0" smtClean="0">
-                <a:solidFill>
-                  <a:srgbClr val="000066"/>
-                </a:solidFill>
-                <a:latin typeface="微軟正黑體" pitchFamily="34" charset="-120"/>
-                <a:ea typeface="微軟正黑體" pitchFamily="34" charset="-120"/>
-              </a:rPr>
-              <a:t>我愛你</a:t>
-            </a:r>
-          </a:p>
         </p:txBody>
       </p:sp>
     </p:spTree>
+    <p:extLst>
+      <p:ext uri="{BB962C8B-B14F-4D97-AF65-F5344CB8AC3E}">
+        <p14:creationId xmlns:p14="http://schemas.microsoft.com/office/powerpoint/2010/main" val="172689859"/>
+      </p:ext>
+    </p:extLst>
   </p:cSld>
   <p:clrMapOvr>
     <a:masterClrMapping/>
@@ -3811,30 +3804,60 @@
       </p:grpSpPr>
       <p:sp>
         <p:nvSpPr>
-          <p:cNvPr id="4" name="標題 3"/>
-          <p:cNvSpPr>
-            <a:spLocks noGrp="1"/>
-          </p:cNvSpPr>
-          <p:nvPr>
-            <p:ph type="title"/>
-          </p:nvPr>
-        </p:nvSpPr>
-        <p:spPr/>
-        <p:txBody>
-          <a:bodyPr/>
-          <a:lstStyle/>
-          <a:p>
-            <a:r>
-              <a:rPr lang="zh-TW" altLang="en-US" b="1" dirty="0" smtClean="0">
-                <a:solidFill>
-                  <a:srgbClr val="000066"/>
-                </a:solidFill>
-                <a:latin typeface="微軟正黑體" pitchFamily="34" charset="-120"/>
-                <a:ea typeface="微軟正黑體" pitchFamily="34" charset="-120"/>
-              </a:rPr>
-              <a:t>活著為要敬拜你</a:t>
-            </a:r>
-            <a:endParaRPr lang="zh-TW" altLang="en-US" b="1" dirty="0">
+          <p:cNvPr id="5" name="內容版面配置區 4"/>
+          <p:cNvSpPr>
+            <a:spLocks noGrp="1"/>
+          </p:cNvSpPr>
+          <p:nvPr>
+            <p:ph idx="1"/>
+          </p:nvPr>
+        </p:nvSpPr>
+        <p:spPr>
+          <a:xfrm>
+            <a:off x="0" y="2084853"/>
+            <a:ext cx="12192000" cy="2404863"/>
+          </a:xfrm>
+        </p:spPr>
+        <p:txBody>
+          <a:bodyPr anchor="ctr">
+            <a:normAutofit/>
+          </a:bodyPr>
+          <a:lstStyle/>
+          <a:p>
+            <a:pPr algn="ctr">
+              <a:buNone/>
+            </a:pPr>
+            <a:r>
+              <a:rPr lang="zh-TW" altLang="en-US" sz="6400" b="1" dirty="0">
+                <a:solidFill>
+                  <a:srgbClr val="000066"/>
+                </a:solidFill>
+                <a:latin typeface="微軟正黑體" pitchFamily="34" charset="-120"/>
+                <a:ea typeface="微軟正黑體" pitchFamily="34" charset="-120"/>
+              </a:rPr>
+              <a:t>俯伏在</a:t>
+            </a:r>
+            <a:r>
+              <a:rPr lang="zh-CN" altLang="en-US" sz="6400" b="1" dirty="0">
+                <a:solidFill>
+                  <a:srgbClr val="000066"/>
+                </a:solidFill>
+                <a:latin typeface="微軟正黑體" pitchFamily="34" charset="-120"/>
+                <a:ea typeface="微軟正黑體" pitchFamily="34" charset="-120"/>
+              </a:rPr>
+              <a:t>袮</a:t>
+            </a:r>
+            <a:r>
+              <a:rPr lang="zh-TW" altLang="en-US" sz="6400" b="1" dirty="0">
+                <a:solidFill>
+                  <a:srgbClr val="000066"/>
+                </a:solidFill>
+                <a:latin typeface="微軟正黑體" pitchFamily="34" charset="-120"/>
+                <a:ea typeface="微軟正黑體" pitchFamily="34" charset="-120"/>
+              </a:rPr>
+              <a:t>榮耀中</a:t>
+            </a:r>
+            <a:endParaRPr lang="en-US" altLang="zh-TW" sz="6400" b="1" dirty="0">
               <a:solidFill>
                 <a:srgbClr val="000066"/>
               </a:solidFill>
@@ -3842,8 +3865,63 @@
               <a:ea typeface="微軟正黑體" pitchFamily="34" charset="-120"/>
             </a:endParaRPr>
           </a:p>
-        </p:txBody>
-      </p:sp>
+          <a:p>
+            <a:pPr algn="ctr">
+              <a:buNone/>
+            </a:pPr>
+            <a:r>
+              <a:rPr lang="zh-CN" altLang="en-US" sz="6400" b="1" dirty="0">
+                <a:solidFill>
+                  <a:srgbClr val="000066"/>
+                </a:solidFill>
+                <a:latin typeface="微軟正黑體" pitchFamily="34" charset="-120"/>
+                <a:ea typeface="微軟正黑體" pitchFamily="34" charset="-120"/>
+              </a:rPr>
+              <a:t>袮</a:t>
+            </a:r>
+            <a:r>
+              <a:rPr lang="zh-TW" altLang="en-US" sz="6400" b="1" dirty="0">
+                <a:solidFill>
+                  <a:srgbClr val="000066"/>
+                </a:solidFill>
+                <a:latin typeface="微軟正黑體" pitchFamily="34" charset="-120"/>
+                <a:ea typeface="微軟正黑體" pitchFamily="34" charset="-120"/>
+              </a:rPr>
+              <a:t>的榮美無人能及</a:t>
+            </a:r>
+          </a:p>
+        </p:txBody>
+      </p:sp>
+    </p:spTree>
+    <p:extLst>
+      <p:ext uri="{BB962C8B-B14F-4D97-AF65-F5344CB8AC3E}">
+        <p14:creationId xmlns:p14="http://schemas.microsoft.com/office/powerpoint/2010/main" val="879475724"/>
+      </p:ext>
+    </p:extLst>
+  </p:cSld>
+  <p:clrMapOvr>
+    <a:masterClrMapping/>
+  </p:clrMapOvr>
+</p:sld>
+</file>
+
+<file path=ppt/slides/slide6.xml><?xml version="1.0" encoding="utf-8"?>
+<p:sld xmlns:a="http://schemas.openxmlformats.org/drawingml/2006/main" xmlns:r="http://schemas.openxmlformats.org/officeDocument/2006/relationships" xmlns:p="http://schemas.openxmlformats.org/presentationml/2006/main">
+  <p:cSld>
+    <p:spTree>
+      <p:nvGrpSpPr>
+        <p:cNvPr id="1" name=""/>
+        <p:cNvGrpSpPr/>
+        <p:nvPr/>
+      </p:nvGrpSpPr>
+      <p:grpSpPr>
+        <a:xfrm>
+          <a:off x="0" y="0"/>
+          <a:ext cx="0" cy="0"/>
+          <a:chOff x="0" y="0"/>
+          <a:chExt cx="0" cy="0"/>
+        </a:xfrm>
+      </p:grpSpPr>
       <p:sp>
         <p:nvSpPr>
           <p:cNvPr id="5" name="內容版面配置區 4"/>
@@ -3856,12 +3934,12 @@
         </p:nvSpPr>
         <p:spPr>
           <a:xfrm>
-            <a:off x="0" y="1600200"/>
-            <a:ext cx="9144000" cy="5257800"/>
+            <a:off x="0" y="2084853"/>
+            <a:ext cx="12192000" cy="2404863"/>
           </a:xfrm>
         </p:spPr>
         <p:txBody>
-          <a:bodyPr>
+          <a:bodyPr anchor="ctr">
             <a:normAutofit/>
           </a:bodyPr>
           <a:lstStyle/>
@@ -3870,16 +3948,26 @@
               <a:buNone/>
             </a:pPr>
             <a:r>
-              <a:rPr lang="zh-TW" altLang="en-US" sz="5400" b="1" dirty="0" smtClean="0">
-                <a:solidFill>
-                  <a:srgbClr val="000066"/>
-                </a:solidFill>
-                <a:latin typeface="微軟正黑體" pitchFamily="34" charset="-120"/>
-                <a:ea typeface="微軟正黑體" pitchFamily="34" charset="-120"/>
-              </a:rPr>
-              <a:t>喔  我愛你</a:t>
-            </a:r>
-            <a:endParaRPr lang="en-US" altLang="zh-TW" sz="5400" b="1" dirty="0" smtClean="0">
+              <a:rPr lang="zh-TW" altLang="en-US" sz="6400" b="1" dirty="0">
+                <a:solidFill>
+                  <a:srgbClr val="000066"/>
+                </a:solidFill>
+                <a:latin typeface="微軟正黑體" pitchFamily="34" charset="-120"/>
+                <a:ea typeface="微軟正黑體" pitchFamily="34" charset="-120"/>
+              </a:rPr>
+              <a:t>活著為要敬拜</a:t>
+            </a:r>
+            <a:r>
+              <a:rPr lang="zh-CN" altLang="en-US" sz="6400" b="1" dirty="0">
+                <a:solidFill>
+                  <a:srgbClr val="000066"/>
+                </a:solidFill>
+                <a:latin typeface="微軟正黑體" pitchFamily="34" charset="-120"/>
+                <a:ea typeface="微軟正黑體" pitchFamily="34" charset="-120"/>
+              </a:rPr>
+              <a:t>袮</a:t>
+            </a:r>
+            <a:endParaRPr lang="en-US" altLang="zh-TW" sz="6400" b="1" dirty="0">
               <a:solidFill>
                 <a:srgbClr val="000066"/>
               </a:solidFill>
@@ -3892,16 +3980,26 @@
               <a:buNone/>
             </a:pPr>
             <a:r>
-              <a:rPr lang="zh-TW" altLang="en-US" sz="5400" b="1" dirty="0" smtClean="0">
-                <a:solidFill>
-                  <a:srgbClr val="000066"/>
-                </a:solidFill>
-                <a:latin typeface="微軟正黑體" pitchFamily="34" charset="-120"/>
-                <a:ea typeface="微軟正黑體" pitchFamily="34" charset="-120"/>
-              </a:rPr>
-              <a:t>喔  全心敬拜你</a:t>
-            </a:r>
-            <a:endParaRPr lang="en-US" altLang="zh-TW" sz="5400" b="1" dirty="0" smtClean="0">
+              <a:rPr lang="zh-TW" altLang="en-US" sz="6400" b="1" dirty="0">
+                <a:solidFill>
+                  <a:srgbClr val="000066"/>
+                </a:solidFill>
+                <a:latin typeface="微軟正黑體" pitchFamily="34" charset="-120"/>
+                <a:ea typeface="微軟正黑體" pitchFamily="34" charset="-120"/>
+              </a:rPr>
+              <a:t>活著為要全心來愛</a:t>
+            </a:r>
+            <a:r>
+              <a:rPr lang="zh-CN" altLang="en-US" sz="6400" b="1" dirty="0">
+                <a:solidFill>
+                  <a:srgbClr val="000066"/>
+                </a:solidFill>
+                <a:latin typeface="微軟正黑體" pitchFamily="34" charset="-120"/>
+                <a:ea typeface="微軟正黑體" pitchFamily="34" charset="-120"/>
+              </a:rPr>
+              <a:t>袮</a:t>
+            </a:r>
+            <a:endParaRPr lang="en-US" altLang="zh-TW" sz="6400" b="1" dirty="0">
               <a:solidFill>
                 <a:srgbClr val="000066"/>
               </a:solidFill>
@@ -3909,21 +4007,94 @@
               <a:ea typeface="微軟正黑體" pitchFamily="34" charset="-120"/>
             </a:endParaRPr>
           </a:p>
+        </p:txBody>
+      </p:sp>
+    </p:spTree>
+    <p:extLst>
+      <p:ext uri="{BB962C8B-B14F-4D97-AF65-F5344CB8AC3E}">
+        <p14:creationId xmlns:p14="http://schemas.microsoft.com/office/powerpoint/2010/main" val="1140988765"/>
+      </p:ext>
+    </p:extLst>
+  </p:cSld>
+  <p:clrMapOvr>
+    <a:masterClrMapping/>
+  </p:clrMapOvr>
+</p:sld>
+</file>
+
+<file path=ppt/slides/slide7.xml><?xml version="1.0" encoding="utf-8"?>
+<p:sld xmlns:a="http://schemas.openxmlformats.org/drawingml/2006/main" xmlns:r="http://schemas.openxmlformats.org/officeDocument/2006/relationships" xmlns:p="http://schemas.openxmlformats.org/presentationml/2006/main">
+  <p:cSld>
+    <p:spTree>
+      <p:nvGrpSpPr>
+        <p:cNvPr id="1" name=""/>
+        <p:cNvGrpSpPr/>
+        <p:nvPr/>
+      </p:nvGrpSpPr>
+      <p:grpSpPr>
+        <a:xfrm>
+          <a:off x="0" y="0"/>
+          <a:ext cx="0" cy="0"/>
+          <a:chOff x="0" y="0"/>
+          <a:chExt cx="0" cy="0"/>
+        </a:xfrm>
+      </p:grpSpPr>
+      <p:sp>
+        <p:nvSpPr>
+          <p:cNvPr id="5" name="內容版面配置區 4"/>
+          <p:cNvSpPr>
+            <a:spLocks noGrp="1"/>
+          </p:cNvSpPr>
+          <p:nvPr>
+            <p:ph idx="1"/>
+          </p:nvPr>
+        </p:nvSpPr>
+        <p:spPr>
+          <a:xfrm>
+            <a:off x="0" y="2084853"/>
+            <a:ext cx="12192000" cy="2404863"/>
+          </a:xfrm>
+        </p:spPr>
+        <p:txBody>
+          <a:bodyPr anchor="ctr">
+            <a:normAutofit/>
+          </a:bodyPr>
+          <a:lstStyle/>
           <a:p>
             <a:pPr algn="ctr">
               <a:buNone/>
             </a:pPr>
             <a:r>
-              <a:rPr lang="zh-TW" altLang="en-US" sz="5400" b="1" dirty="0" smtClean="0">
-                <a:solidFill>
-                  <a:srgbClr val="000066"/>
-                </a:solidFill>
-                <a:latin typeface="微軟正黑體" pitchFamily="34" charset="-120"/>
-                <a:ea typeface="微軟正黑體" pitchFamily="34" charset="-120"/>
-              </a:rPr>
-              <a:t>日夜不停歌唱  哈利路亞</a:t>
-            </a:r>
-            <a:endParaRPr lang="en-US" altLang="zh-TW" sz="5400" b="1" dirty="0" smtClean="0">
+              <a:rPr lang="zh-TW" altLang="en-US" sz="6400" b="1" dirty="0">
+                <a:solidFill>
+                  <a:srgbClr val="000066"/>
+                </a:solidFill>
+                <a:latin typeface="微軟正黑體" pitchFamily="34" charset="-120"/>
+                <a:ea typeface="微軟正黑體" pitchFamily="34" charset="-120"/>
+              </a:rPr>
+              <a:t>永遠住在</a:t>
+            </a:r>
+            <a:r>
+              <a:rPr lang="zh-CN" altLang="en-US" sz="6400" b="1" dirty="0">
+                <a:solidFill>
+                  <a:srgbClr val="000066"/>
+                </a:solidFill>
+                <a:latin typeface="微軟正黑體" pitchFamily="34" charset="-120"/>
+                <a:ea typeface="微軟正黑體" pitchFamily="34" charset="-120"/>
+              </a:rPr>
+              <a:t>袮</a:t>
+            </a:r>
+            <a:r>
+              <a:rPr lang="zh-TW" altLang="en-US" sz="6400" b="1" dirty="0">
+                <a:solidFill>
+                  <a:srgbClr val="000066"/>
+                </a:solidFill>
+                <a:latin typeface="微軟正黑體" pitchFamily="34" charset="-120"/>
+                <a:ea typeface="微軟正黑體" pitchFamily="34" charset="-120"/>
+              </a:rPr>
+              <a:t>殿中</a:t>
+            </a:r>
+            <a:endParaRPr lang="en-US" altLang="zh-TW" sz="6400" b="1" dirty="0">
               <a:solidFill>
                 <a:srgbClr val="000066"/>
               </a:solidFill>
@@ -3936,19 +4107,305 @@
               <a:buNone/>
             </a:pPr>
             <a:r>
-              <a:rPr lang="zh-TW" altLang="en-US" sz="5400" b="1" dirty="0" smtClean="0">
-                <a:solidFill>
-                  <a:srgbClr val="000066"/>
-                </a:solidFill>
-                <a:latin typeface="微軟正黑體" pitchFamily="34" charset="-120"/>
-                <a:ea typeface="微軟正黑體" pitchFamily="34" charset="-120"/>
-              </a:rPr>
-              <a:t>我愛你  我愛你</a:t>
-            </a:r>
+              <a:rPr lang="zh-TW" altLang="en-US" sz="6400" b="1" dirty="0">
+                <a:solidFill>
+                  <a:srgbClr val="000066"/>
+                </a:solidFill>
+                <a:latin typeface="微軟正黑體" pitchFamily="34" charset="-120"/>
+                <a:ea typeface="微軟正黑體" pitchFamily="34" charset="-120"/>
+              </a:rPr>
+              <a:t>昔在今在永在的主</a:t>
+            </a:r>
+            <a:r>
+              <a:rPr lang="en-US" altLang="zh-TW" sz="6400" b="1" dirty="0">
+                <a:solidFill>
+                  <a:srgbClr val="000066"/>
+                </a:solidFill>
+                <a:latin typeface="微軟正黑體" pitchFamily="34" charset="-120"/>
+                <a:ea typeface="微軟正黑體" pitchFamily="34" charset="-120"/>
+              </a:rPr>
+              <a:t>  </a:t>
+            </a:r>
+            <a:r>
+              <a:rPr lang="zh-TW" altLang="en-US" sz="6400" b="1" dirty="0">
+                <a:solidFill>
+                  <a:srgbClr val="000066"/>
+                </a:solidFill>
+                <a:latin typeface="微軟正黑體" pitchFamily="34" charset="-120"/>
+                <a:ea typeface="微軟正黑體" pitchFamily="34" charset="-120"/>
+              </a:rPr>
+              <a:t>我愛</a:t>
+            </a:r>
+            <a:r>
+              <a:rPr lang="zh-CN" altLang="en-US" sz="6400" b="1" dirty="0">
+                <a:solidFill>
+                  <a:srgbClr val="000066"/>
+                </a:solidFill>
+                <a:latin typeface="微軟正黑體" pitchFamily="34" charset="-120"/>
+                <a:ea typeface="微軟正黑體" pitchFamily="34" charset="-120"/>
+              </a:rPr>
+              <a:t>袮</a:t>
+            </a:r>
+            <a:endParaRPr lang="zh-TW" altLang="en-US" sz="6400" b="1" dirty="0">
+              <a:solidFill>
+                <a:srgbClr val="000066"/>
+              </a:solidFill>
+              <a:latin typeface="微軟正黑體" pitchFamily="34" charset="-120"/>
+              <a:ea typeface="微軟正黑體" pitchFamily="34" charset="-120"/>
+            </a:endParaRPr>
           </a:p>
         </p:txBody>
       </p:sp>
     </p:spTree>
+    <p:extLst>
+      <p:ext uri="{BB962C8B-B14F-4D97-AF65-F5344CB8AC3E}">
+        <p14:creationId xmlns:p14="http://schemas.microsoft.com/office/powerpoint/2010/main" val="3192173130"/>
+      </p:ext>
+    </p:extLst>
+  </p:cSld>
+  <p:clrMapOvr>
+    <a:masterClrMapping/>
+  </p:clrMapOvr>
+</p:sld>
+</file>
+
+<file path=ppt/slides/slide8.xml><?xml version="1.0" encoding="utf-8"?>
+<p:sld xmlns:a="http://schemas.openxmlformats.org/drawingml/2006/main" xmlns:r="http://schemas.openxmlformats.org/officeDocument/2006/relationships" xmlns:p="http://schemas.openxmlformats.org/presentationml/2006/main">
+  <p:cSld>
+    <p:spTree>
+      <p:nvGrpSpPr>
+        <p:cNvPr id="1" name=""/>
+        <p:cNvGrpSpPr/>
+        <p:nvPr/>
+      </p:nvGrpSpPr>
+      <p:grpSpPr>
+        <a:xfrm>
+          <a:off x="0" y="0"/>
+          <a:ext cx="0" cy="0"/>
+          <a:chOff x="0" y="0"/>
+          <a:chExt cx="0" cy="0"/>
+        </a:xfrm>
+      </p:grpSpPr>
+      <p:sp>
+        <p:nvSpPr>
+          <p:cNvPr id="5" name="內容版面配置區 4"/>
+          <p:cNvSpPr>
+            <a:spLocks noGrp="1"/>
+          </p:cNvSpPr>
+          <p:nvPr>
+            <p:ph idx="1"/>
+          </p:nvPr>
+        </p:nvSpPr>
+        <p:spPr>
+          <a:xfrm>
+            <a:off x="0" y="2084853"/>
+            <a:ext cx="12192000" cy="2404863"/>
+          </a:xfrm>
+        </p:spPr>
+        <p:txBody>
+          <a:bodyPr anchor="ctr">
+            <a:normAutofit/>
+          </a:bodyPr>
+          <a:lstStyle/>
+          <a:p>
+            <a:pPr algn="ctr">
+              <a:buNone/>
+            </a:pPr>
+            <a:r>
+              <a:rPr lang="zh-TW" altLang="en-US" sz="6400" b="1" dirty="0">
+                <a:solidFill>
+                  <a:srgbClr val="000066"/>
+                </a:solidFill>
+                <a:latin typeface="微軟正黑體" pitchFamily="34" charset="-120"/>
+                <a:ea typeface="微軟正黑體" pitchFamily="34" charset="-120"/>
+              </a:rPr>
+              <a:t>喔  我愛</a:t>
+            </a:r>
+            <a:r>
+              <a:rPr lang="zh-CN" altLang="en-US" sz="6400" b="1" dirty="0">
+                <a:solidFill>
+                  <a:srgbClr val="000066"/>
+                </a:solidFill>
+                <a:latin typeface="微軟正黑體" pitchFamily="34" charset="-120"/>
+                <a:ea typeface="微軟正黑體" pitchFamily="34" charset="-120"/>
+              </a:rPr>
+              <a:t>袮</a:t>
+            </a:r>
+            <a:endParaRPr lang="en-US" altLang="zh-TW" sz="6400" b="1" dirty="0">
+              <a:solidFill>
+                <a:srgbClr val="000066"/>
+              </a:solidFill>
+              <a:latin typeface="微軟正黑體" pitchFamily="34" charset="-120"/>
+              <a:ea typeface="微軟正黑體" pitchFamily="34" charset="-120"/>
+            </a:endParaRPr>
+          </a:p>
+          <a:p>
+            <a:pPr algn="ctr">
+              <a:buNone/>
+            </a:pPr>
+            <a:r>
+              <a:rPr lang="zh-TW" altLang="en-US" sz="6400" b="1" dirty="0">
+                <a:solidFill>
+                  <a:srgbClr val="000066"/>
+                </a:solidFill>
+                <a:latin typeface="微軟正黑體" pitchFamily="34" charset="-120"/>
+                <a:ea typeface="微軟正黑體" pitchFamily="34" charset="-120"/>
+              </a:rPr>
+              <a:t>喔  全心敬拜</a:t>
+            </a:r>
+            <a:r>
+              <a:rPr lang="zh-CN" altLang="en-US" sz="6400" b="1" dirty="0">
+                <a:solidFill>
+                  <a:srgbClr val="000066"/>
+                </a:solidFill>
+                <a:latin typeface="微軟正黑體" pitchFamily="34" charset="-120"/>
+                <a:ea typeface="微軟正黑體" pitchFamily="34" charset="-120"/>
+              </a:rPr>
+              <a:t>袮</a:t>
+            </a:r>
+            <a:endParaRPr lang="en-US" altLang="zh-TW" sz="6400" b="1" dirty="0">
+              <a:solidFill>
+                <a:srgbClr val="000066"/>
+              </a:solidFill>
+              <a:latin typeface="微軟正黑體" pitchFamily="34" charset="-120"/>
+              <a:ea typeface="微軟正黑體" pitchFamily="34" charset="-120"/>
+            </a:endParaRPr>
+          </a:p>
+        </p:txBody>
+      </p:sp>
+    </p:spTree>
+    <p:extLst>
+      <p:ext uri="{BB962C8B-B14F-4D97-AF65-F5344CB8AC3E}">
+        <p14:creationId xmlns:p14="http://schemas.microsoft.com/office/powerpoint/2010/main" val="923021575"/>
+      </p:ext>
+    </p:extLst>
+  </p:cSld>
+  <p:clrMapOvr>
+    <a:masterClrMapping/>
+  </p:clrMapOvr>
+</p:sld>
+</file>
+
+<file path=ppt/slides/slide9.xml><?xml version="1.0" encoding="utf-8"?>
+<p:sld xmlns:a="http://schemas.openxmlformats.org/drawingml/2006/main" xmlns:r="http://schemas.openxmlformats.org/officeDocument/2006/relationships" xmlns:p="http://schemas.openxmlformats.org/presentationml/2006/main">
+  <p:cSld>
+    <p:spTree>
+      <p:nvGrpSpPr>
+        <p:cNvPr id="1" name=""/>
+        <p:cNvGrpSpPr/>
+        <p:nvPr/>
+      </p:nvGrpSpPr>
+      <p:grpSpPr>
+        <a:xfrm>
+          <a:off x="0" y="0"/>
+          <a:ext cx="0" cy="0"/>
+          <a:chOff x="0" y="0"/>
+          <a:chExt cx="0" cy="0"/>
+        </a:xfrm>
+      </p:grpSpPr>
+      <p:sp>
+        <p:nvSpPr>
+          <p:cNvPr id="5" name="內容版面配置區 4"/>
+          <p:cNvSpPr>
+            <a:spLocks noGrp="1"/>
+          </p:cNvSpPr>
+          <p:nvPr>
+            <p:ph idx="1"/>
+          </p:nvPr>
+        </p:nvSpPr>
+        <p:spPr>
+          <a:xfrm>
+            <a:off x="0" y="2084853"/>
+            <a:ext cx="12192000" cy="2404863"/>
+          </a:xfrm>
+        </p:spPr>
+        <p:txBody>
+          <a:bodyPr anchor="ctr">
+            <a:normAutofit/>
+          </a:bodyPr>
+          <a:lstStyle/>
+          <a:p>
+            <a:pPr algn="ctr">
+              <a:buNone/>
+            </a:pPr>
+            <a:r>
+              <a:rPr lang="zh-TW" altLang="en-US" sz="6400" b="1" dirty="0">
+                <a:solidFill>
+                  <a:srgbClr val="000066"/>
+                </a:solidFill>
+                <a:latin typeface="微軟正黑體" pitchFamily="34" charset="-120"/>
+                <a:ea typeface="微軟正黑體" pitchFamily="34" charset="-120"/>
+              </a:rPr>
+              <a:t>日夜不停歌唱  </a:t>
+            </a:r>
+            <a:endParaRPr lang="en-US" altLang="zh-TW" sz="6400" b="1" dirty="0">
+              <a:solidFill>
+                <a:srgbClr val="000066"/>
+              </a:solidFill>
+              <a:latin typeface="微軟正黑體" pitchFamily="34" charset="-120"/>
+              <a:ea typeface="微軟正黑體" pitchFamily="34" charset="-120"/>
+            </a:endParaRPr>
+          </a:p>
+          <a:p>
+            <a:pPr algn="ctr">
+              <a:buNone/>
+            </a:pPr>
+            <a:r>
+              <a:rPr lang="zh-TW" altLang="en-US" sz="6400" b="1" dirty="0">
+                <a:solidFill>
+                  <a:srgbClr val="000066"/>
+                </a:solidFill>
+                <a:latin typeface="微軟正黑體" pitchFamily="34" charset="-120"/>
+                <a:ea typeface="微軟正黑體" pitchFamily="34" charset="-120"/>
+              </a:rPr>
+              <a:t>哈利路亞</a:t>
+            </a:r>
+            <a:r>
+              <a:rPr lang="en-US" altLang="zh-TW" sz="6400" b="1" dirty="0">
+                <a:solidFill>
+                  <a:srgbClr val="000066"/>
+                </a:solidFill>
+                <a:latin typeface="微軟正黑體" pitchFamily="34" charset="-120"/>
+                <a:ea typeface="微軟正黑體" pitchFamily="34" charset="-120"/>
+              </a:rPr>
+              <a:t>  </a:t>
+            </a:r>
+            <a:r>
+              <a:rPr lang="zh-TW" altLang="en-US" sz="6400" b="1" dirty="0">
+                <a:solidFill>
+                  <a:srgbClr val="000066"/>
+                </a:solidFill>
+                <a:latin typeface="微軟正黑體" pitchFamily="34" charset="-120"/>
+                <a:ea typeface="微軟正黑體" pitchFamily="34" charset="-120"/>
+              </a:rPr>
+              <a:t>我愛</a:t>
+            </a:r>
+            <a:r>
+              <a:rPr lang="zh-CN" altLang="en-US" sz="6400" b="1" dirty="0">
+                <a:solidFill>
+                  <a:srgbClr val="000066"/>
+                </a:solidFill>
+                <a:latin typeface="微軟正黑體" pitchFamily="34" charset="-120"/>
+                <a:ea typeface="微軟正黑體" pitchFamily="34" charset="-120"/>
+              </a:rPr>
+              <a:t>袮</a:t>
+            </a:r>
+            <a:endParaRPr lang="zh-TW" altLang="en-US" sz="6400" b="1" dirty="0">
+              <a:solidFill>
+                <a:srgbClr val="000066"/>
+              </a:solidFill>
+              <a:latin typeface="微軟正黑體" pitchFamily="34" charset="-120"/>
+              <a:ea typeface="微軟正黑體" pitchFamily="34" charset="-120"/>
+            </a:endParaRPr>
+          </a:p>
+        </p:txBody>
+      </p:sp>
+    </p:spTree>
+    <p:extLst>
+      <p:ext uri="{BB962C8B-B14F-4D97-AF65-F5344CB8AC3E}">
+        <p14:creationId xmlns:p14="http://schemas.microsoft.com/office/powerpoint/2010/main" val="2216073331"/>
+      </p:ext>
+    </p:extLst>
   </p:cSld>
   <p:clrMapOvr>
     <a:masterClrMapping/>

--- a/活著為要敬拜你(崇拜版).pptx
+++ b/活著為要敬拜你(崇拜版).pptx
@@ -314,7 +314,7 @@
           <a:p>
             <a:fld id="{2739EEB5-7168-4F77-91E9-27903F5B1FCF}" type="datetimeFigureOut">
               <a:rPr lang="zh-TW" altLang="en-US" smtClean="0"/>
-              <a:t>2021/1/8</a:t>
+              <a:t>2023/7/29</a:t>
             </a:fld>
             <a:endParaRPr lang="zh-TW" altLang="en-US"/>
           </a:p>
@@ -479,7 +479,7 @@
           <a:p>
             <a:fld id="{2739EEB5-7168-4F77-91E9-27903F5B1FCF}" type="datetimeFigureOut">
               <a:rPr lang="zh-TW" altLang="en-US" smtClean="0"/>
-              <a:t>2021/1/8</a:t>
+              <a:t>2023/7/29</a:t>
             </a:fld>
             <a:endParaRPr lang="zh-TW" altLang="en-US"/>
           </a:p>
@@ -654,7 +654,7 @@
           <a:p>
             <a:fld id="{2739EEB5-7168-4F77-91E9-27903F5B1FCF}" type="datetimeFigureOut">
               <a:rPr lang="zh-TW" altLang="en-US" smtClean="0"/>
-              <a:t>2021/1/8</a:t>
+              <a:t>2023/7/29</a:t>
             </a:fld>
             <a:endParaRPr lang="zh-TW" altLang="en-US"/>
           </a:p>
@@ -819,7 +819,7 @@
           <a:p>
             <a:fld id="{2739EEB5-7168-4F77-91E9-27903F5B1FCF}" type="datetimeFigureOut">
               <a:rPr lang="zh-TW" altLang="en-US" smtClean="0"/>
-              <a:t>2021/1/8</a:t>
+              <a:t>2023/7/29</a:t>
             </a:fld>
             <a:endParaRPr lang="zh-TW" altLang="en-US"/>
           </a:p>
@@ -1060,7 +1060,7 @@
           <a:p>
             <a:fld id="{2739EEB5-7168-4F77-91E9-27903F5B1FCF}" type="datetimeFigureOut">
               <a:rPr lang="zh-TW" altLang="en-US" smtClean="0"/>
-              <a:t>2021/1/8</a:t>
+              <a:t>2023/7/29</a:t>
             </a:fld>
             <a:endParaRPr lang="zh-TW" altLang="en-US"/>
           </a:p>
@@ -1343,7 +1343,7 @@
           <a:p>
             <a:fld id="{2739EEB5-7168-4F77-91E9-27903F5B1FCF}" type="datetimeFigureOut">
               <a:rPr lang="zh-TW" altLang="en-US" smtClean="0"/>
-              <a:t>2021/1/8</a:t>
+              <a:t>2023/7/29</a:t>
             </a:fld>
             <a:endParaRPr lang="zh-TW" altLang="en-US"/>
           </a:p>
@@ -1760,7 +1760,7 @@
           <a:p>
             <a:fld id="{2739EEB5-7168-4F77-91E9-27903F5B1FCF}" type="datetimeFigureOut">
               <a:rPr lang="zh-TW" altLang="en-US" smtClean="0"/>
-              <a:t>2021/1/8</a:t>
+              <a:t>2023/7/29</a:t>
             </a:fld>
             <a:endParaRPr lang="zh-TW" altLang="en-US"/>
           </a:p>
@@ -1873,7 +1873,7 @@
           <a:p>
             <a:fld id="{2739EEB5-7168-4F77-91E9-27903F5B1FCF}" type="datetimeFigureOut">
               <a:rPr lang="zh-TW" altLang="en-US" smtClean="0"/>
-              <a:t>2021/1/8</a:t>
+              <a:t>2023/7/29</a:t>
             </a:fld>
             <a:endParaRPr lang="zh-TW" altLang="en-US"/>
           </a:p>
@@ -1963,7 +1963,7 @@
           <a:p>
             <a:fld id="{2739EEB5-7168-4F77-91E9-27903F5B1FCF}" type="datetimeFigureOut">
               <a:rPr lang="zh-TW" altLang="en-US" smtClean="0"/>
-              <a:t>2021/1/8</a:t>
+              <a:t>2023/7/29</a:t>
             </a:fld>
             <a:endParaRPr lang="zh-TW" altLang="en-US"/>
           </a:p>
@@ -2235,7 +2235,7 @@
           <a:p>
             <a:fld id="{2739EEB5-7168-4F77-91E9-27903F5B1FCF}" type="datetimeFigureOut">
               <a:rPr lang="zh-TW" altLang="en-US" smtClean="0"/>
-              <a:t>2021/1/8</a:t>
+              <a:t>2023/7/29</a:t>
             </a:fld>
             <a:endParaRPr lang="zh-TW" altLang="en-US"/>
           </a:p>
@@ -2487,7 +2487,7 @@
           <a:p>
             <a:fld id="{2739EEB5-7168-4F77-91E9-27903F5B1FCF}" type="datetimeFigureOut">
               <a:rPr lang="zh-TW" altLang="en-US" smtClean="0"/>
-              <a:t>2021/1/8</a:t>
+              <a:t>2023/7/29</a:t>
             </a:fld>
             <a:endParaRPr lang="zh-TW" altLang="en-US"/>
           </a:p>
@@ -2700,7 +2700,7 @@
           <a:p>
             <a:fld id="{2739EEB5-7168-4F77-91E9-27903F5B1FCF}" type="datetimeFigureOut">
               <a:rPr lang="zh-TW" altLang="en-US" smtClean="0"/>
-              <a:t>2021/1/8</a:t>
+              <a:t>2023/7/29</a:t>
             </a:fld>
             <a:endParaRPr lang="zh-TW" altLang="en-US"/>
           </a:p>
@@ -3107,10 +3107,10 @@
                 <a:latin typeface="微軟正黑體" pitchFamily="34" charset="-120"/>
                 <a:ea typeface="微軟正黑體" pitchFamily="34" charset="-120"/>
               </a:rPr>
-              <a:t>活</a:t>
-            </a:r>
-            <a:r>
-              <a:rPr lang="zh-TW" altLang="en-US" sz="7200" b="1" i="1" dirty="0">
+              <a:t>活著為要敬</a:t>
+            </a:r>
+            <a:r>
+              <a:rPr lang="zh-TW" altLang="en-US" sz="7200" b="1" i="1" dirty="0" smtClean="0">
                 <a:solidFill>
                   <a:srgbClr val="000066"/>
                 </a:solidFill>
@@ -3124,10 +3124,10 @@
                 <a:latin typeface="微軟正黑體" pitchFamily="34" charset="-120"/>
                 <a:ea typeface="微軟正黑體" pitchFamily="34" charset="-120"/>
               </a:rPr>
-              <a:t>著為要敬</a:t>
-            </a:r>
-            <a:r>
-              <a:rPr lang="zh-TW" altLang="en-US" sz="7200" b="1" i="1" dirty="0">
+              <a:t>拜</a:t>
+            </a:r>
+            <a:r>
+              <a:rPr lang="zh-CN" altLang="en-US" sz="7200" b="1" i="1" dirty="0" smtClean="0">
                 <a:solidFill>
                   <a:srgbClr val="000066"/>
                 </a:solidFill>
@@ -3141,24 +3141,7 @@
                 <a:latin typeface="微軟正黑體" pitchFamily="34" charset="-120"/>
                 <a:ea typeface="微軟正黑體" pitchFamily="34" charset="-120"/>
               </a:rPr>
-              <a:t>拜</a:t>
-            </a:r>
-            <a:r>
-              <a:rPr lang="zh-CN" altLang="en-US" sz="7200" b="1" i="1" dirty="0">
-                <a:solidFill>
-                  <a:srgbClr val="000066"/>
-                </a:solidFill>
-                <a:effectLst>
-                  <a:outerShdw blurRad="38100" dist="38100" dir="2700000" algn="tl">
-                    <a:srgbClr val="000000">
-                      <a:alpha val="43137"/>
-                    </a:srgbClr>
-                  </a:outerShdw>
-                </a:effectLst>
-                <a:latin typeface="微軟正黑體" pitchFamily="34" charset="-120"/>
-                <a:ea typeface="微軟正黑體" pitchFamily="34" charset="-120"/>
-              </a:rPr>
-              <a:t>袮</a:t>
+              <a:t>祢</a:t>
             </a:r>
             <a:endParaRPr lang="zh-TW" altLang="en-US" sz="7200" b="1" i="1" dirty="0">
               <a:solidFill>
@@ -3240,17 +3223,27 @@
                 <a:latin typeface="微軟正黑體" pitchFamily="34" charset="-120"/>
                 <a:ea typeface="微軟正黑體" pitchFamily="34" charset="-120"/>
               </a:rPr>
-              <a:t>喔  我愛</a:t>
-            </a:r>
-            <a:r>
-              <a:rPr lang="zh-CN" altLang="en-US" sz="6400" b="1" dirty="0">
-                <a:solidFill>
-                  <a:srgbClr val="000066"/>
-                </a:solidFill>
-                <a:latin typeface="微軟正黑體" pitchFamily="34" charset="-120"/>
-                <a:ea typeface="微軟正黑體" pitchFamily="34" charset="-120"/>
-              </a:rPr>
-              <a:t>袮</a:t>
+              <a:t>喔  我</a:t>
+            </a:r>
+            <a:r>
+              <a:rPr lang="zh-TW" altLang="en-US" sz="6400" b="1" dirty="0" smtClean="0">
+                <a:solidFill>
+                  <a:srgbClr val="000066"/>
+                </a:solidFill>
+                <a:latin typeface="微軟正黑體" pitchFamily="34" charset="-120"/>
+                <a:ea typeface="微軟正黑體" pitchFamily="34" charset="-120"/>
+              </a:rPr>
+              <a:t>愛</a:t>
+            </a:r>
+            <a:r>
+              <a:rPr lang="zh-CN" altLang="en-US" sz="6400" b="1" dirty="0" smtClean="0">
+                <a:solidFill>
+                  <a:srgbClr val="000066"/>
+                </a:solidFill>
+                <a:latin typeface="微軟正黑體" pitchFamily="34" charset="-120"/>
+                <a:ea typeface="微軟正黑體" pitchFamily="34" charset="-120"/>
+              </a:rPr>
+              <a:t>祢</a:t>
             </a:r>
             <a:endParaRPr lang="en-US" altLang="zh-TW" sz="6400" b="1" dirty="0">
               <a:solidFill>
@@ -3272,17 +3265,27 @@
                 <a:latin typeface="微軟正黑體" pitchFamily="34" charset="-120"/>
                 <a:ea typeface="微軟正黑體" pitchFamily="34" charset="-120"/>
               </a:rPr>
-              <a:t>喔  全心敬拜</a:t>
-            </a:r>
-            <a:r>
-              <a:rPr lang="zh-CN" altLang="en-US" sz="6400" b="1" dirty="0">
-                <a:solidFill>
-                  <a:srgbClr val="000066"/>
-                </a:solidFill>
-                <a:latin typeface="微軟正黑體" pitchFamily="34" charset="-120"/>
-                <a:ea typeface="微軟正黑體" pitchFamily="34" charset="-120"/>
-              </a:rPr>
-              <a:t>袮</a:t>
+              <a:t>喔  全心敬</a:t>
+            </a:r>
+            <a:r>
+              <a:rPr lang="zh-TW" altLang="en-US" sz="6400" b="1" dirty="0" smtClean="0">
+                <a:solidFill>
+                  <a:srgbClr val="000066"/>
+                </a:solidFill>
+                <a:latin typeface="微軟正黑體" pitchFamily="34" charset="-120"/>
+                <a:ea typeface="微軟正黑體" pitchFamily="34" charset="-120"/>
+              </a:rPr>
+              <a:t>拜</a:t>
+            </a:r>
+            <a:r>
+              <a:rPr lang="zh-CN" altLang="en-US" sz="6400" b="1" dirty="0" smtClean="0">
+                <a:solidFill>
+                  <a:srgbClr val="000066"/>
+                </a:solidFill>
+                <a:latin typeface="微軟正黑體" pitchFamily="34" charset="-120"/>
+                <a:ea typeface="微軟正黑體" pitchFamily="34" charset="-120"/>
+              </a:rPr>
+              <a:t>祢</a:t>
             </a:r>
             <a:endParaRPr lang="en-US" altLang="zh-TW" sz="6400" b="1" dirty="0">
               <a:solidFill>
@@ -3290,6 +3293,94 @@
               </a:solidFill>
               <a:latin typeface="微軟正黑體" pitchFamily="34" charset="-120"/>
               <a:ea typeface="微軟正黑體" pitchFamily="34" charset="-120"/>
+            </a:endParaRPr>
+          </a:p>
+        </p:txBody>
+      </p:sp>
+      <p:sp>
+        <p:nvSpPr>
+          <p:cNvPr id="3" name="TextBox 2"/>
+          <p:cNvSpPr txBox="1"/>
+          <p:nvPr/>
+        </p:nvSpPr>
+        <p:spPr>
+          <a:xfrm>
+            <a:off x="0" y="5134109"/>
+            <a:ext cx="12192000" cy="646331"/>
+          </a:xfrm>
+          <a:prstGeom prst="rect">
+            <a:avLst/>
+          </a:prstGeom>
+          <a:noFill/>
+        </p:spPr>
+        <p:txBody>
+          <a:bodyPr wrap="square" rtlCol="0" anchor="ctr">
+            <a:spAutoFit/>
+          </a:bodyPr>
+          <a:lstStyle/>
+          <a:p>
+            <a:pPr algn="ctr"/>
+            <a:r>
+              <a:rPr lang="en-US" sz="3600" b="1" dirty="0">
+                <a:solidFill>
+                  <a:srgbClr val="000066"/>
+                </a:solidFill>
+                <a:effectLst/>
+                <a:latin typeface="Microsoft JhengHei" panose="020B0604030504040204" pitchFamily="34" charset="-120"/>
+                <a:ea typeface="Microsoft JhengHei" panose="020B0604030504040204" pitchFamily="34" charset="-120"/>
+              </a:rPr>
+              <a:t>( </a:t>
+            </a:r>
+            <a:r>
+              <a:rPr lang="zh-CN" altLang="en-US" sz="3600" b="1" dirty="0" smtClean="0">
+                <a:solidFill>
+                  <a:srgbClr val="000066"/>
+                </a:solidFill>
+                <a:effectLst/>
+                <a:latin typeface="Microsoft JhengHei" panose="020B0604030504040204" pitchFamily="34" charset="-120"/>
+                <a:ea typeface="Microsoft JhengHei" panose="020B0604030504040204" pitchFamily="34" charset="-120"/>
+              </a:rPr>
+              <a:t>副 </a:t>
+            </a:r>
+            <a:r>
+              <a:rPr lang="en-US" altLang="zh-CN" sz="3600" b="1" dirty="0">
+                <a:solidFill>
+                  <a:srgbClr val="000066"/>
+                </a:solidFill>
+                <a:effectLst/>
+                <a:latin typeface="Microsoft JhengHei" panose="020B0604030504040204" pitchFamily="34" charset="-120"/>
+                <a:ea typeface="Microsoft JhengHei" panose="020B0604030504040204" pitchFamily="34" charset="-120"/>
+              </a:rPr>
+              <a:t>2</a:t>
+            </a:r>
+            <a:r>
+              <a:rPr lang="en-US" sz="3600" b="1" dirty="0" smtClean="0">
+                <a:solidFill>
+                  <a:srgbClr val="000066"/>
+                </a:solidFill>
+                <a:effectLst/>
+                <a:latin typeface="Microsoft JhengHei" panose="020B0604030504040204" pitchFamily="34" charset="-120"/>
+                <a:ea typeface="Microsoft JhengHei" panose="020B0604030504040204" pitchFamily="34" charset="-120"/>
+              </a:rPr>
+              <a:t> </a:t>
+            </a:r>
+            <a:r>
+              <a:rPr lang="en-US" sz="3600" b="1" dirty="0">
+                <a:solidFill>
+                  <a:srgbClr val="000066"/>
+                </a:solidFill>
+                <a:effectLst/>
+                <a:latin typeface="Microsoft JhengHei" panose="020B0604030504040204" pitchFamily="34" charset="-120"/>
+                <a:ea typeface="Microsoft JhengHei" panose="020B0604030504040204" pitchFamily="34" charset="-120"/>
+              </a:rPr>
+              <a:t>)</a:t>
+            </a:r>
+            <a:endParaRPr lang="vi-VN" sz="3600" b="1" dirty="0">
+              <a:solidFill>
+                <a:srgbClr val="000066"/>
+              </a:solidFill>
+              <a:effectLst/>
+              <a:ea typeface="Microsoft JhengHei" panose="020B0604030504040204" pitchFamily="34" charset="-120"/>
             </a:endParaRPr>
           </a:p>
         </p:txBody>
@@ -3379,17 +3470,27 @@
                 <a:latin typeface="微軟正黑體" pitchFamily="34" charset="-120"/>
                 <a:ea typeface="微軟正黑體" pitchFamily="34" charset="-120"/>
               </a:rPr>
-              <a:t>我愛</a:t>
-            </a:r>
-            <a:r>
-              <a:rPr lang="zh-CN" altLang="en-US" sz="6400" b="1" dirty="0">
-                <a:solidFill>
-                  <a:srgbClr val="000066"/>
-                </a:solidFill>
-                <a:latin typeface="微軟正黑體" pitchFamily="34" charset="-120"/>
-                <a:ea typeface="微軟正黑體" pitchFamily="34" charset="-120"/>
-              </a:rPr>
-              <a:t>袮  </a:t>
+              <a:t>我</a:t>
+            </a:r>
+            <a:r>
+              <a:rPr lang="zh-TW" altLang="en-US" sz="6400" b="1" dirty="0" smtClean="0">
+                <a:solidFill>
+                  <a:srgbClr val="000066"/>
+                </a:solidFill>
+                <a:latin typeface="微軟正黑體" pitchFamily="34" charset="-120"/>
+                <a:ea typeface="微軟正黑體" pitchFamily="34" charset="-120"/>
+              </a:rPr>
+              <a:t>愛</a:t>
+            </a:r>
+            <a:r>
+              <a:rPr lang="zh-CN" altLang="en-US" sz="6400" b="1" dirty="0" smtClean="0">
+                <a:solidFill>
+                  <a:srgbClr val="000066"/>
+                </a:solidFill>
+                <a:latin typeface="微軟正黑體" pitchFamily="34" charset="-120"/>
+                <a:ea typeface="微軟正黑體" pitchFamily="34" charset="-120"/>
+              </a:rPr>
+              <a:t>祢  </a:t>
             </a:r>
             <a:r>
               <a:rPr lang="zh-TW" altLang="en-US" sz="6400" b="1" dirty="0">
@@ -3399,17 +3500,27 @@
                 <a:latin typeface="微軟正黑體" pitchFamily="34" charset="-120"/>
                 <a:ea typeface="微軟正黑體" pitchFamily="34" charset="-120"/>
               </a:rPr>
-              <a:t>我愛</a:t>
-            </a:r>
-            <a:r>
-              <a:rPr lang="zh-CN" altLang="en-US" sz="6400" b="1" dirty="0">
-                <a:solidFill>
-                  <a:srgbClr val="000066"/>
-                </a:solidFill>
-                <a:latin typeface="微軟正黑體" pitchFamily="34" charset="-120"/>
-                <a:ea typeface="微軟正黑體" pitchFamily="34" charset="-120"/>
-              </a:rPr>
-              <a:t>袮</a:t>
+              <a:t>我</a:t>
+            </a:r>
+            <a:r>
+              <a:rPr lang="zh-TW" altLang="en-US" sz="6400" b="1" dirty="0" smtClean="0">
+                <a:solidFill>
+                  <a:srgbClr val="000066"/>
+                </a:solidFill>
+                <a:latin typeface="微軟正黑體" pitchFamily="34" charset="-120"/>
+                <a:ea typeface="微軟正黑體" pitchFamily="34" charset="-120"/>
+              </a:rPr>
+              <a:t>愛</a:t>
+            </a:r>
+            <a:r>
+              <a:rPr lang="zh-CN" altLang="en-US" sz="6400" b="1" dirty="0" smtClean="0">
+                <a:solidFill>
+                  <a:srgbClr val="000066"/>
+                </a:solidFill>
+                <a:latin typeface="微軟正黑體" pitchFamily="34" charset="-120"/>
+                <a:ea typeface="微軟正黑體" pitchFamily="34" charset="-120"/>
+              </a:rPr>
+              <a:t>祢</a:t>
             </a:r>
             <a:endParaRPr lang="zh-TW" altLang="en-US" sz="6400" b="1" dirty="0">
               <a:solidFill>
@@ -3417,6 +3528,94 @@
               </a:solidFill>
               <a:latin typeface="微軟正黑體" pitchFamily="34" charset="-120"/>
               <a:ea typeface="微軟正黑體" pitchFamily="34" charset="-120"/>
+            </a:endParaRPr>
+          </a:p>
+        </p:txBody>
+      </p:sp>
+      <p:sp>
+        <p:nvSpPr>
+          <p:cNvPr id="3" name="TextBox 2"/>
+          <p:cNvSpPr txBox="1"/>
+          <p:nvPr/>
+        </p:nvSpPr>
+        <p:spPr>
+          <a:xfrm>
+            <a:off x="0" y="5134109"/>
+            <a:ext cx="12192000" cy="646331"/>
+          </a:xfrm>
+          <a:prstGeom prst="rect">
+            <a:avLst/>
+          </a:prstGeom>
+          <a:noFill/>
+        </p:spPr>
+        <p:txBody>
+          <a:bodyPr wrap="square" rtlCol="0" anchor="ctr">
+            <a:spAutoFit/>
+          </a:bodyPr>
+          <a:lstStyle/>
+          <a:p>
+            <a:pPr algn="ctr"/>
+            <a:r>
+              <a:rPr lang="en-US" sz="3600" b="1" dirty="0">
+                <a:solidFill>
+                  <a:srgbClr val="000066"/>
+                </a:solidFill>
+                <a:effectLst/>
+                <a:latin typeface="Microsoft JhengHei" panose="020B0604030504040204" pitchFamily="34" charset="-120"/>
+                <a:ea typeface="Microsoft JhengHei" panose="020B0604030504040204" pitchFamily="34" charset="-120"/>
+              </a:rPr>
+              <a:t>( </a:t>
+            </a:r>
+            <a:r>
+              <a:rPr lang="zh-CN" altLang="en-US" sz="3600" b="1" dirty="0" smtClean="0">
+                <a:solidFill>
+                  <a:srgbClr val="000066"/>
+                </a:solidFill>
+                <a:effectLst/>
+                <a:latin typeface="Microsoft JhengHei" panose="020B0604030504040204" pitchFamily="34" charset="-120"/>
+                <a:ea typeface="Microsoft JhengHei" panose="020B0604030504040204" pitchFamily="34" charset="-120"/>
+              </a:rPr>
+              <a:t>副 </a:t>
+            </a:r>
+            <a:r>
+              <a:rPr lang="en-US" altLang="zh-CN" sz="3600" b="1" dirty="0">
+                <a:solidFill>
+                  <a:srgbClr val="000066"/>
+                </a:solidFill>
+                <a:effectLst/>
+                <a:latin typeface="Microsoft JhengHei" panose="020B0604030504040204" pitchFamily="34" charset="-120"/>
+                <a:ea typeface="Microsoft JhengHei" panose="020B0604030504040204" pitchFamily="34" charset="-120"/>
+              </a:rPr>
+              <a:t>2</a:t>
+            </a:r>
+            <a:r>
+              <a:rPr lang="en-US" sz="3600" b="1" dirty="0" smtClean="0">
+                <a:solidFill>
+                  <a:srgbClr val="000066"/>
+                </a:solidFill>
+                <a:effectLst/>
+                <a:latin typeface="Microsoft JhengHei" panose="020B0604030504040204" pitchFamily="34" charset="-120"/>
+                <a:ea typeface="Microsoft JhengHei" panose="020B0604030504040204" pitchFamily="34" charset="-120"/>
+              </a:rPr>
+              <a:t> </a:t>
+            </a:r>
+            <a:r>
+              <a:rPr lang="en-US" sz="3600" b="1" dirty="0">
+                <a:solidFill>
+                  <a:srgbClr val="000066"/>
+                </a:solidFill>
+                <a:effectLst/>
+                <a:latin typeface="Microsoft JhengHei" panose="020B0604030504040204" pitchFamily="34" charset="-120"/>
+                <a:ea typeface="Microsoft JhengHei" panose="020B0604030504040204" pitchFamily="34" charset="-120"/>
+              </a:rPr>
+              <a:t>)</a:t>
+            </a:r>
+            <a:endParaRPr lang="vi-VN" sz="3600" b="1" dirty="0">
+              <a:solidFill>
+                <a:srgbClr val="000066"/>
+              </a:solidFill>
+              <a:effectLst/>
+              <a:ea typeface="Microsoft JhengHei" panose="020B0604030504040204" pitchFamily="34" charset="-120"/>
             </a:endParaRPr>
           </a:p>
         </p:txBody>
@@ -3484,17 +3683,27 @@
                 <a:latin typeface="微軟正黑體" pitchFamily="34" charset="-120"/>
                 <a:ea typeface="微軟正黑體" pitchFamily="34" charset="-120"/>
               </a:rPr>
-              <a:t>開我的眼睛  讓我看見</a:t>
-            </a:r>
-            <a:r>
-              <a:rPr lang="zh-CN" altLang="en-US" sz="6400" b="1" dirty="0">
-                <a:solidFill>
-                  <a:srgbClr val="000066"/>
-                </a:solidFill>
-                <a:latin typeface="微軟正黑體" pitchFamily="34" charset="-120"/>
-                <a:ea typeface="微軟正黑體" pitchFamily="34" charset="-120"/>
-              </a:rPr>
-              <a:t>袮</a:t>
+              <a:t>開我的眼睛  讓我看</a:t>
+            </a:r>
+            <a:r>
+              <a:rPr lang="zh-TW" altLang="en-US" sz="6400" b="1" dirty="0" smtClean="0">
+                <a:solidFill>
+                  <a:srgbClr val="000066"/>
+                </a:solidFill>
+                <a:latin typeface="微軟正黑體" pitchFamily="34" charset="-120"/>
+                <a:ea typeface="微軟正黑體" pitchFamily="34" charset="-120"/>
+              </a:rPr>
+              <a:t>見</a:t>
+            </a:r>
+            <a:r>
+              <a:rPr lang="zh-CN" altLang="en-US" sz="6400" b="1" dirty="0" smtClean="0">
+                <a:solidFill>
+                  <a:srgbClr val="000066"/>
+                </a:solidFill>
+                <a:latin typeface="微軟正黑體" pitchFamily="34" charset="-120"/>
+                <a:ea typeface="微軟正黑體" pitchFamily="34" charset="-120"/>
+              </a:rPr>
+              <a:t>祢</a:t>
             </a:r>
             <a:endParaRPr lang="en-US" altLang="zh-TW" sz="6400" b="1" dirty="0">
               <a:solidFill>
@@ -3509,14 +3718,24 @@
               <a:buNone/>
             </a:pPr>
             <a:r>
-              <a:rPr lang="zh-CN" altLang="en-US" sz="6400" b="1" dirty="0">
-                <a:solidFill>
-                  <a:srgbClr val="000066"/>
-                </a:solidFill>
-                <a:latin typeface="微軟正黑體" pitchFamily="34" charset="-120"/>
-                <a:ea typeface="微軟正黑體" pitchFamily="34" charset="-120"/>
-              </a:rPr>
-              <a:t>袮</a:t>
+              <a:rPr lang="zh-CN" altLang="en-US" sz="6400" b="1" dirty="0" smtClean="0">
+                <a:solidFill>
+                  <a:srgbClr val="000066"/>
+                </a:solidFill>
+                <a:latin typeface="微軟正黑體" pitchFamily="34" charset="-120"/>
+                <a:ea typeface="微軟正黑體" pitchFamily="34" charset="-120"/>
+              </a:rPr>
+              <a:t>祢</a:t>
+            </a:r>
+            <a:r>
+              <a:rPr lang="zh-TW" altLang="en-US" sz="6400" b="1" dirty="0" smtClean="0">
+                <a:solidFill>
+                  <a:srgbClr val="000066"/>
+                </a:solidFill>
+                <a:latin typeface="微軟正黑體" pitchFamily="34" charset="-120"/>
+                <a:ea typeface="微軟正黑體" pitchFamily="34" charset="-120"/>
+              </a:rPr>
+              <a:t>榮</a:t>
             </a:r>
             <a:r>
               <a:rPr lang="zh-TW" altLang="en-US" sz="6400" b="1" dirty="0">
@@ -3526,7 +3745,7 @@
                 <a:latin typeface="微軟正黑體" pitchFamily="34" charset="-120"/>
                 <a:ea typeface="微軟正黑體" pitchFamily="34" charset="-120"/>
               </a:rPr>
-              <a:t>榮美彰顯吸引我心</a:t>
+              <a:t>美彰顯吸引我心</a:t>
             </a:r>
             <a:endParaRPr lang="en-US" altLang="zh-TW" sz="6400" b="1" dirty="0">
               <a:solidFill>
@@ -3534,6 +3753,72 @@
               </a:solidFill>
               <a:latin typeface="微軟正黑體" pitchFamily="34" charset="-120"/>
               <a:ea typeface="微軟正黑體" pitchFamily="34" charset="-120"/>
+            </a:endParaRPr>
+          </a:p>
+        </p:txBody>
+      </p:sp>
+      <p:sp>
+        <p:nvSpPr>
+          <p:cNvPr id="3" name="TextBox 2"/>
+          <p:cNvSpPr txBox="1"/>
+          <p:nvPr/>
+        </p:nvSpPr>
+        <p:spPr>
+          <a:xfrm>
+            <a:off x="0" y="5134109"/>
+            <a:ext cx="12192000" cy="646331"/>
+          </a:xfrm>
+          <a:prstGeom prst="rect">
+            <a:avLst/>
+          </a:prstGeom>
+          <a:noFill/>
+        </p:spPr>
+        <p:txBody>
+          <a:bodyPr wrap="square" rtlCol="0" anchor="ctr">
+            <a:spAutoFit/>
+          </a:bodyPr>
+          <a:lstStyle/>
+          <a:p>
+            <a:pPr algn="ctr"/>
+            <a:r>
+              <a:rPr lang="en-US" sz="3600" b="1" dirty="0">
+                <a:solidFill>
+                  <a:srgbClr val="000066"/>
+                </a:solidFill>
+                <a:effectLst/>
+                <a:latin typeface="Microsoft JhengHei" panose="020B0604030504040204" pitchFamily="34" charset="-120"/>
+                <a:ea typeface="Microsoft JhengHei" panose="020B0604030504040204" pitchFamily="34" charset="-120"/>
+              </a:rPr>
+              <a:t>( </a:t>
+            </a:r>
+            <a:r>
+              <a:rPr lang="zh-CN" altLang="en-US" sz="3600" b="1" dirty="0">
+                <a:solidFill>
+                  <a:srgbClr val="000066"/>
+                </a:solidFill>
+                <a:effectLst/>
+                <a:latin typeface="Microsoft JhengHei" panose="020B0604030504040204" pitchFamily="34" charset="-120"/>
+                <a:ea typeface="Microsoft JhengHei" panose="020B0604030504040204" pitchFamily="34" charset="-120"/>
+              </a:rPr>
+              <a:t>正</a:t>
+            </a:r>
+            <a:r>
+              <a:rPr lang="en-US" sz="3600" b="1" dirty="0">
+                <a:solidFill>
+                  <a:srgbClr val="000066"/>
+                </a:solidFill>
+                <a:effectLst/>
+                <a:latin typeface="Microsoft JhengHei" panose="020B0604030504040204" pitchFamily="34" charset="-120"/>
+                <a:ea typeface="Microsoft JhengHei" panose="020B0604030504040204" pitchFamily="34" charset="-120"/>
+              </a:rPr>
+              <a:t> )</a:t>
+            </a:r>
+            <a:endParaRPr lang="vi-VN" sz="3600" b="1" dirty="0">
+              <a:solidFill>
+                <a:srgbClr val="000066"/>
+              </a:solidFill>
+              <a:effectLst/>
+              <a:ea typeface="Microsoft JhengHei" panose="020B0604030504040204" pitchFamily="34" charset="-120"/>
             </a:endParaRPr>
           </a:p>
         </p:txBody>
@@ -3601,17 +3886,27 @@
                 <a:latin typeface="微軟正黑體" pitchFamily="34" charset="-120"/>
                 <a:ea typeface="微軟正黑體" pitchFamily="34" charset="-120"/>
               </a:rPr>
-              <a:t>開我的耳朵  讓我聽見</a:t>
-            </a:r>
-            <a:r>
-              <a:rPr lang="zh-CN" altLang="en-US" sz="6400" b="1" dirty="0">
-                <a:solidFill>
-                  <a:srgbClr val="000066"/>
-                </a:solidFill>
-                <a:latin typeface="微軟正黑體" pitchFamily="34" charset="-120"/>
-                <a:ea typeface="微軟正黑體" pitchFamily="34" charset="-120"/>
-              </a:rPr>
-              <a:t>袮</a:t>
+              <a:t>開我的耳朵  讓我聽</a:t>
+            </a:r>
+            <a:r>
+              <a:rPr lang="zh-TW" altLang="en-US" sz="6400" b="1" dirty="0" smtClean="0">
+                <a:solidFill>
+                  <a:srgbClr val="000066"/>
+                </a:solidFill>
+                <a:latin typeface="微軟正黑體" pitchFamily="34" charset="-120"/>
+                <a:ea typeface="微軟正黑體" pitchFamily="34" charset="-120"/>
+              </a:rPr>
+              <a:t>見</a:t>
+            </a:r>
+            <a:r>
+              <a:rPr lang="zh-CN" altLang="en-US" sz="6400" b="1" dirty="0" smtClean="0">
+                <a:solidFill>
+                  <a:srgbClr val="000066"/>
+                </a:solidFill>
+                <a:latin typeface="微軟正黑體" pitchFamily="34" charset="-120"/>
+                <a:ea typeface="微軟正黑體" pitchFamily="34" charset="-120"/>
+              </a:rPr>
+              <a:t>祢</a:t>
             </a:r>
             <a:endParaRPr lang="en-US" altLang="zh-TW" sz="6400" b="1" dirty="0">
               <a:solidFill>
@@ -3633,17 +3928,27 @@
                 <a:latin typeface="微軟正黑體" pitchFamily="34" charset="-120"/>
                 <a:ea typeface="微軟正黑體" pitchFamily="34" charset="-120"/>
               </a:rPr>
-              <a:t>每句話都讓我更愛</a:t>
-            </a:r>
-            <a:r>
-              <a:rPr lang="zh-CN" altLang="en-US" sz="6400" b="1" dirty="0">
-                <a:solidFill>
-                  <a:srgbClr val="000066"/>
-                </a:solidFill>
-                <a:latin typeface="微軟正黑體" pitchFamily="34" charset="-120"/>
-                <a:ea typeface="微軟正黑體" pitchFamily="34" charset="-120"/>
-              </a:rPr>
-              <a:t>袮</a:t>
+              <a:t>每句話都讓我更</a:t>
+            </a:r>
+            <a:r>
+              <a:rPr lang="zh-TW" altLang="en-US" sz="6400" b="1" dirty="0" smtClean="0">
+                <a:solidFill>
+                  <a:srgbClr val="000066"/>
+                </a:solidFill>
+                <a:latin typeface="微軟正黑體" pitchFamily="34" charset="-120"/>
+                <a:ea typeface="微軟正黑體" pitchFamily="34" charset="-120"/>
+              </a:rPr>
+              <a:t>愛</a:t>
+            </a:r>
+            <a:r>
+              <a:rPr lang="zh-CN" altLang="en-US" sz="6400" b="1" dirty="0" smtClean="0">
+                <a:solidFill>
+                  <a:srgbClr val="000066"/>
+                </a:solidFill>
+                <a:latin typeface="微軟正黑體" pitchFamily="34" charset="-120"/>
+                <a:ea typeface="微軟正黑體" pitchFamily="34" charset="-120"/>
+              </a:rPr>
+              <a:t>祢</a:t>
             </a:r>
             <a:endParaRPr lang="zh-TW" altLang="en-US" sz="6400" b="1" dirty="0">
               <a:solidFill>
@@ -3651,6 +3956,72 @@
               </a:solidFill>
               <a:latin typeface="微軟正黑體" pitchFamily="34" charset="-120"/>
               <a:ea typeface="微軟正黑體" pitchFamily="34" charset="-120"/>
+            </a:endParaRPr>
+          </a:p>
+        </p:txBody>
+      </p:sp>
+      <p:sp>
+        <p:nvSpPr>
+          <p:cNvPr id="3" name="TextBox 2"/>
+          <p:cNvSpPr txBox="1"/>
+          <p:nvPr/>
+        </p:nvSpPr>
+        <p:spPr>
+          <a:xfrm>
+            <a:off x="0" y="5134109"/>
+            <a:ext cx="12192000" cy="646331"/>
+          </a:xfrm>
+          <a:prstGeom prst="rect">
+            <a:avLst/>
+          </a:prstGeom>
+          <a:noFill/>
+        </p:spPr>
+        <p:txBody>
+          <a:bodyPr wrap="square" rtlCol="0" anchor="ctr">
+            <a:spAutoFit/>
+          </a:bodyPr>
+          <a:lstStyle/>
+          <a:p>
+            <a:pPr algn="ctr"/>
+            <a:r>
+              <a:rPr lang="en-US" sz="3600" b="1" dirty="0">
+                <a:solidFill>
+                  <a:srgbClr val="000066"/>
+                </a:solidFill>
+                <a:effectLst/>
+                <a:latin typeface="Microsoft JhengHei" panose="020B0604030504040204" pitchFamily="34" charset="-120"/>
+                <a:ea typeface="Microsoft JhengHei" panose="020B0604030504040204" pitchFamily="34" charset="-120"/>
+              </a:rPr>
+              <a:t>( </a:t>
+            </a:r>
+            <a:r>
+              <a:rPr lang="zh-CN" altLang="en-US" sz="3600" b="1" dirty="0">
+                <a:solidFill>
+                  <a:srgbClr val="000066"/>
+                </a:solidFill>
+                <a:effectLst/>
+                <a:latin typeface="Microsoft JhengHei" panose="020B0604030504040204" pitchFamily="34" charset="-120"/>
+                <a:ea typeface="Microsoft JhengHei" panose="020B0604030504040204" pitchFamily="34" charset="-120"/>
+              </a:rPr>
+              <a:t>正</a:t>
+            </a:r>
+            <a:r>
+              <a:rPr lang="en-US" sz="3600" b="1" dirty="0">
+                <a:solidFill>
+                  <a:srgbClr val="000066"/>
+                </a:solidFill>
+                <a:effectLst/>
+                <a:latin typeface="Microsoft JhengHei" panose="020B0604030504040204" pitchFamily="34" charset="-120"/>
+                <a:ea typeface="Microsoft JhengHei" panose="020B0604030504040204" pitchFamily="34" charset="-120"/>
+              </a:rPr>
+              <a:t> )</a:t>
+            </a:r>
+            <a:endParaRPr lang="vi-VN" sz="3600" b="1" dirty="0">
+              <a:solidFill>
+                <a:srgbClr val="000066"/>
+              </a:solidFill>
+              <a:effectLst/>
+              <a:ea typeface="Microsoft JhengHei" panose="020B0604030504040204" pitchFamily="34" charset="-120"/>
             </a:endParaRPr>
           </a:p>
         </p:txBody>
@@ -3718,17 +4089,27 @@
                 <a:latin typeface="微軟正黑體" pitchFamily="34" charset="-120"/>
                 <a:ea typeface="微軟正黑體" pitchFamily="34" charset="-120"/>
               </a:rPr>
-              <a:t>活著為要敬拜</a:t>
-            </a:r>
-            <a:r>
-              <a:rPr lang="zh-CN" altLang="en-US" sz="6400" b="1" dirty="0">
-                <a:solidFill>
-                  <a:srgbClr val="000066"/>
-                </a:solidFill>
-                <a:latin typeface="微軟正黑體" pitchFamily="34" charset="-120"/>
-                <a:ea typeface="微軟正黑體" pitchFamily="34" charset="-120"/>
-              </a:rPr>
-              <a:t>袮</a:t>
+              <a:t>活著為要敬</a:t>
+            </a:r>
+            <a:r>
+              <a:rPr lang="zh-TW" altLang="en-US" sz="6400" b="1" dirty="0" smtClean="0">
+                <a:solidFill>
+                  <a:srgbClr val="000066"/>
+                </a:solidFill>
+                <a:latin typeface="微軟正黑體" pitchFamily="34" charset="-120"/>
+                <a:ea typeface="微軟正黑體" pitchFamily="34" charset="-120"/>
+              </a:rPr>
+              <a:t>拜</a:t>
+            </a:r>
+            <a:r>
+              <a:rPr lang="zh-CN" altLang="en-US" sz="6400" b="1" dirty="0" smtClean="0">
+                <a:solidFill>
+                  <a:srgbClr val="000066"/>
+                </a:solidFill>
+                <a:latin typeface="微軟正黑體" pitchFamily="34" charset="-120"/>
+                <a:ea typeface="微軟正黑體" pitchFamily="34" charset="-120"/>
+              </a:rPr>
+              <a:t>祢</a:t>
             </a:r>
             <a:endParaRPr lang="en-US" altLang="zh-TW" sz="6400" b="1" dirty="0">
               <a:solidFill>
@@ -3750,17 +4131,27 @@
                 <a:latin typeface="微軟正黑體" pitchFamily="34" charset="-120"/>
                 <a:ea typeface="微軟正黑體" pitchFamily="34" charset="-120"/>
               </a:rPr>
-              <a:t>活著為要全心來愛</a:t>
-            </a:r>
-            <a:r>
-              <a:rPr lang="zh-CN" altLang="en-US" sz="6400" b="1" dirty="0">
-                <a:solidFill>
-                  <a:srgbClr val="000066"/>
-                </a:solidFill>
-                <a:latin typeface="微軟正黑體" pitchFamily="34" charset="-120"/>
-                <a:ea typeface="微軟正黑體" pitchFamily="34" charset="-120"/>
-              </a:rPr>
-              <a:t>袮</a:t>
+              <a:t>活著為要全心來</a:t>
+            </a:r>
+            <a:r>
+              <a:rPr lang="zh-TW" altLang="en-US" sz="6400" b="1" dirty="0" smtClean="0">
+                <a:solidFill>
+                  <a:srgbClr val="000066"/>
+                </a:solidFill>
+                <a:latin typeface="微軟正黑體" pitchFamily="34" charset="-120"/>
+                <a:ea typeface="微軟正黑體" pitchFamily="34" charset="-120"/>
+              </a:rPr>
+              <a:t>愛</a:t>
+            </a:r>
+            <a:r>
+              <a:rPr lang="zh-CN" altLang="en-US" sz="6400" b="1" dirty="0" smtClean="0">
+                <a:solidFill>
+                  <a:srgbClr val="000066"/>
+                </a:solidFill>
+                <a:latin typeface="微軟正黑體" pitchFamily="34" charset="-120"/>
+                <a:ea typeface="微軟正黑體" pitchFamily="34" charset="-120"/>
+              </a:rPr>
+              <a:t>祢</a:t>
             </a:r>
             <a:endParaRPr lang="en-US" altLang="zh-TW" sz="6400" b="1" dirty="0">
               <a:solidFill>
@@ -3768,6 +4159,83 @@
               </a:solidFill>
               <a:latin typeface="微軟正黑體" pitchFamily="34" charset="-120"/>
               <a:ea typeface="微軟正黑體" pitchFamily="34" charset="-120"/>
+            </a:endParaRPr>
+          </a:p>
+        </p:txBody>
+      </p:sp>
+      <p:sp>
+        <p:nvSpPr>
+          <p:cNvPr id="3" name="TextBox 2"/>
+          <p:cNvSpPr txBox="1"/>
+          <p:nvPr/>
+        </p:nvSpPr>
+        <p:spPr>
+          <a:xfrm>
+            <a:off x="0" y="5134109"/>
+            <a:ext cx="12192000" cy="646331"/>
+          </a:xfrm>
+          <a:prstGeom prst="rect">
+            <a:avLst/>
+          </a:prstGeom>
+          <a:noFill/>
+        </p:spPr>
+        <p:txBody>
+          <a:bodyPr wrap="square" rtlCol="0" anchor="ctr">
+            <a:spAutoFit/>
+          </a:bodyPr>
+          <a:lstStyle/>
+          <a:p>
+            <a:pPr algn="ctr"/>
+            <a:r>
+              <a:rPr lang="en-US" sz="3600" b="1" dirty="0">
+                <a:solidFill>
+                  <a:srgbClr val="000066"/>
+                </a:solidFill>
+                <a:effectLst/>
+                <a:latin typeface="Microsoft JhengHei" panose="020B0604030504040204" pitchFamily="34" charset="-120"/>
+                <a:ea typeface="Microsoft JhengHei" panose="020B0604030504040204" pitchFamily="34" charset="-120"/>
+              </a:rPr>
+              <a:t>( </a:t>
+            </a:r>
+            <a:r>
+              <a:rPr lang="zh-CN" altLang="en-US" sz="3600" b="1" dirty="0" smtClean="0">
+                <a:solidFill>
+                  <a:srgbClr val="000066"/>
+                </a:solidFill>
+                <a:effectLst/>
+                <a:latin typeface="Microsoft JhengHei" panose="020B0604030504040204" pitchFamily="34" charset="-120"/>
+                <a:ea typeface="Microsoft JhengHei" panose="020B0604030504040204" pitchFamily="34" charset="-120"/>
+              </a:rPr>
+              <a:t>副</a:t>
+            </a:r>
+            <a:r>
+              <a:rPr lang="en-US" sz="3600" b="1" dirty="0" smtClean="0">
+                <a:solidFill>
+                  <a:srgbClr val="000066"/>
+                </a:solidFill>
+                <a:effectLst/>
+                <a:latin typeface="Microsoft JhengHei" panose="020B0604030504040204" pitchFamily="34" charset="-120"/>
+                <a:ea typeface="Microsoft JhengHei" panose="020B0604030504040204" pitchFamily="34" charset="-120"/>
+              </a:rPr>
+              <a:t> </a:t>
+            </a:r>
+            <a:r>
+              <a:rPr lang="en-US" sz="3600" b="1" dirty="0">
+                <a:solidFill>
+                  <a:srgbClr val="000066"/>
+                </a:solidFill>
+                <a:effectLst/>
+                <a:latin typeface="Microsoft JhengHei" panose="020B0604030504040204" pitchFamily="34" charset="-120"/>
+                <a:ea typeface="Microsoft JhengHei" panose="020B0604030504040204" pitchFamily="34" charset="-120"/>
+              </a:rPr>
+              <a:t>)</a:t>
+            </a:r>
+            <a:endParaRPr lang="vi-VN" sz="3600" b="1" dirty="0">
+              <a:solidFill>
+                <a:srgbClr val="000066"/>
+              </a:solidFill>
+              <a:effectLst/>
+              <a:ea typeface="Microsoft JhengHei" panose="020B0604030504040204" pitchFamily="34" charset="-120"/>
             </a:endParaRPr>
           </a:p>
         </p:txBody>
@@ -3835,17 +4303,37 @@
                 <a:latin typeface="微軟正黑體" pitchFamily="34" charset="-120"/>
                 <a:ea typeface="微軟正黑體" pitchFamily="34" charset="-120"/>
               </a:rPr>
-              <a:t>俯伏在</a:t>
-            </a:r>
-            <a:r>
-              <a:rPr lang="zh-CN" altLang="en-US" sz="6400" b="1" dirty="0">
-                <a:solidFill>
-                  <a:srgbClr val="000066"/>
-                </a:solidFill>
-                <a:latin typeface="微軟正黑體" pitchFamily="34" charset="-120"/>
-                <a:ea typeface="微軟正黑體" pitchFamily="34" charset="-120"/>
-              </a:rPr>
-              <a:t>袮</a:t>
+              <a:t>俯伏</a:t>
+            </a:r>
+            <a:r>
+              <a:rPr lang="zh-TW" altLang="en-US" sz="6400" b="1" dirty="0" smtClean="0">
+                <a:solidFill>
+                  <a:srgbClr val="000066"/>
+                </a:solidFill>
+                <a:latin typeface="微軟正黑體" pitchFamily="34" charset="-120"/>
+                <a:ea typeface="微軟正黑體" pitchFamily="34" charset="-120"/>
+              </a:rPr>
+              <a:t>在</a:t>
+            </a:r>
+            <a:r>
+              <a:rPr lang="zh-CN" altLang="en-US" sz="6400" b="1" dirty="0" smtClean="0">
+                <a:solidFill>
+                  <a:srgbClr val="000066"/>
+                </a:solidFill>
+                <a:latin typeface="微軟正黑體" pitchFamily="34" charset="-120"/>
+                <a:ea typeface="微軟正黑體" pitchFamily="34" charset="-120"/>
+              </a:rPr>
+              <a:t>祢</a:t>
+            </a:r>
+            <a:r>
+              <a:rPr lang="zh-TW" altLang="en-US" sz="6400" b="1" dirty="0" smtClean="0">
+                <a:solidFill>
+                  <a:srgbClr val="000066"/>
+                </a:solidFill>
+                <a:latin typeface="微軟正黑體" pitchFamily="34" charset="-120"/>
+                <a:ea typeface="微軟正黑體" pitchFamily="34" charset="-120"/>
+              </a:rPr>
+              <a:t>榮</a:t>
             </a:r>
             <a:r>
               <a:rPr lang="zh-TW" altLang="en-US" sz="6400" b="1" dirty="0">
@@ -3855,7 +4343,7 @@
                 <a:latin typeface="微軟正黑體" pitchFamily="34" charset="-120"/>
                 <a:ea typeface="微軟正黑體" pitchFamily="34" charset="-120"/>
               </a:rPr>
-              <a:t>榮耀中</a:t>
+              <a:t>耀中</a:t>
             </a:r>
             <a:endParaRPr lang="en-US" altLang="zh-TW" sz="6400" b="1" dirty="0">
               <a:solidFill>
@@ -3870,14 +4358,24 @@
               <a:buNone/>
             </a:pPr>
             <a:r>
-              <a:rPr lang="zh-CN" altLang="en-US" sz="6400" b="1" dirty="0">
-                <a:solidFill>
-                  <a:srgbClr val="000066"/>
-                </a:solidFill>
-                <a:latin typeface="微軟正黑體" pitchFamily="34" charset="-120"/>
-                <a:ea typeface="微軟正黑體" pitchFamily="34" charset="-120"/>
-              </a:rPr>
-              <a:t>袮</a:t>
+              <a:rPr lang="zh-CN" altLang="en-US" sz="6400" b="1" dirty="0" smtClean="0">
+                <a:solidFill>
+                  <a:srgbClr val="000066"/>
+                </a:solidFill>
+                <a:latin typeface="微軟正黑體" pitchFamily="34" charset="-120"/>
+                <a:ea typeface="微軟正黑體" pitchFamily="34" charset="-120"/>
+              </a:rPr>
+              <a:t>祢</a:t>
+            </a:r>
+            <a:r>
+              <a:rPr lang="zh-TW" altLang="en-US" sz="6400" b="1" dirty="0" smtClean="0">
+                <a:solidFill>
+                  <a:srgbClr val="000066"/>
+                </a:solidFill>
+                <a:latin typeface="微軟正黑體" pitchFamily="34" charset="-120"/>
+                <a:ea typeface="微軟正黑體" pitchFamily="34" charset="-120"/>
+              </a:rPr>
+              <a:t>的</a:t>
             </a:r>
             <a:r>
               <a:rPr lang="zh-TW" altLang="en-US" sz="6400" b="1" dirty="0">
@@ -3887,8 +4385,85 @@
                 <a:latin typeface="微軟正黑體" pitchFamily="34" charset="-120"/>
                 <a:ea typeface="微軟正黑體" pitchFamily="34" charset="-120"/>
               </a:rPr>
-              <a:t>的榮美無人能及</a:t>
-            </a:r>
+              <a:t>榮美無人能及</a:t>
+            </a:r>
+          </a:p>
+        </p:txBody>
+      </p:sp>
+      <p:sp>
+        <p:nvSpPr>
+          <p:cNvPr id="3" name="TextBox 2"/>
+          <p:cNvSpPr txBox="1"/>
+          <p:nvPr/>
+        </p:nvSpPr>
+        <p:spPr>
+          <a:xfrm>
+            <a:off x="0" y="5134109"/>
+            <a:ext cx="12192000" cy="646331"/>
+          </a:xfrm>
+          <a:prstGeom prst="rect">
+            <a:avLst/>
+          </a:prstGeom>
+          <a:noFill/>
+        </p:spPr>
+        <p:txBody>
+          <a:bodyPr wrap="square" rtlCol="0" anchor="ctr">
+            <a:spAutoFit/>
+          </a:bodyPr>
+          <a:lstStyle/>
+          <a:p>
+            <a:pPr algn="ctr"/>
+            <a:r>
+              <a:rPr lang="en-US" sz="3600" b="1" dirty="0">
+                <a:solidFill>
+                  <a:srgbClr val="000066"/>
+                </a:solidFill>
+                <a:effectLst/>
+                <a:latin typeface="Microsoft JhengHei" panose="020B0604030504040204" pitchFamily="34" charset="-120"/>
+                <a:ea typeface="Microsoft JhengHei" panose="020B0604030504040204" pitchFamily="34" charset="-120"/>
+              </a:rPr>
+              <a:t>( </a:t>
+            </a:r>
+            <a:r>
+              <a:rPr lang="zh-CN" altLang="en-US" sz="3600" b="1" dirty="0" smtClean="0">
+                <a:solidFill>
+                  <a:srgbClr val="000066"/>
+                </a:solidFill>
+                <a:effectLst/>
+                <a:latin typeface="Microsoft JhengHei" panose="020B0604030504040204" pitchFamily="34" charset="-120"/>
+                <a:ea typeface="Microsoft JhengHei" panose="020B0604030504040204" pitchFamily="34" charset="-120"/>
+              </a:rPr>
+              <a:t>副</a:t>
+            </a:r>
+            <a:r>
+              <a:rPr lang="en-US" sz="3600" b="1" dirty="0" smtClean="0">
+                <a:solidFill>
+                  <a:srgbClr val="000066"/>
+                </a:solidFill>
+                <a:effectLst/>
+                <a:latin typeface="Microsoft JhengHei" panose="020B0604030504040204" pitchFamily="34" charset="-120"/>
+                <a:ea typeface="Microsoft JhengHei" panose="020B0604030504040204" pitchFamily="34" charset="-120"/>
+              </a:rPr>
+              <a:t> </a:t>
+            </a:r>
+            <a:r>
+              <a:rPr lang="en-US" sz="3600" b="1" dirty="0">
+                <a:solidFill>
+                  <a:srgbClr val="000066"/>
+                </a:solidFill>
+                <a:effectLst/>
+                <a:latin typeface="Microsoft JhengHei" panose="020B0604030504040204" pitchFamily="34" charset="-120"/>
+                <a:ea typeface="Microsoft JhengHei" panose="020B0604030504040204" pitchFamily="34" charset="-120"/>
+              </a:rPr>
+              <a:t>)</a:t>
+            </a:r>
+            <a:endParaRPr lang="vi-VN" sz="3600" b="1" dirty="0">
+              <a:solidFill>
+                <a:srgbClr val="000066"/>
+              </a:solidFill>
+              <a:effectLst/>
+              <a:ea typeface="Microsoft JhengHei" panose="020B0604030504040204" pitchFamily="34" charset="-120"/>
+            </a:endParaRPr>
           </a:p>
         </p:txBody>
       </p:sp>
@@ -3955,17 +4530,27 @@
                 <a:latin typeface="微軟正黑體" pitchFamily="34" charset="-120"/>
                 <a:ea typeface="微軟正黑體" pitchFamily="34" charset="-120"/>
               </a:rPr>
-              <a:t>活著為要敬拜</a:t>
-            </a:r>
-            <a:r>
-              <a:rPr lang="zh-CN" altLang="en-US" sz="6400" b="1" dirty="0">
-                <a:solidFill>
-                  <a:srgbClr val="000066"/>
-                </a:solidFill>
-                <a:latin typeface="微軟正黑體" pitchFamily="34" charset="-120"/>
-                <a:ea typeface="微軟正黑體" pitchFamily="34" charset="-120"/>
-              </a:rPr>
-              <a:t>袮</a:t>
+              <a:t>活著為要敬</a:t>
+            </a:r>
+            <a:r>
+              <a:rPr lang="zh-TW" altLang="en-US" sz="6400" b="1" dirty="0" smtClean="0">
+                <a:solidFill>
+                  <a:srgbClr val="000066"/>
+                </a:solidFill>
+                <a:latin typeface="微軟正黑體" pitchFamily="34" charset="-120"/>
+                <a:ea typeface="微軟正黑體" pitchFamily="34" charset="-120"/>
+              </a:rPr>
+              <a:t>拜</a:t>
+            </a:r>
+            <a:r>
+              <a:rPr lang="zh-CN" altLang="en-US" sz="6400" b="1" dirty="0" smtClean="0">
+                <a:solidFill>
+                  <a:srgbClr val="000066"/>
+                </a:solidFill>
+                <a:latin typeface="微軟正黑體" pitchFamily="34" charset="-120"/>
+                <a:ea typeface="微軟正黑體" pitchFamily="34" charset="-120"/>
+              </a:rPr>
+              <a:t>祢</a:t>
             </a:r>
             <a:endParaRPr lang="en-US" altLang="zh-TW" sz="6400" b="1" dirty="0">
               <a:solidFill>
@@ -3987,17 +4572,27 @@
                 <a:latin typeface="微軟正黑體" pitchFamily="34" charset="-120"/>
                 <a:ea typeface="微軟正黑體" pitchFamily="34" charset="-120"/>
               </a:rPr>
-              <a:t>活著為要全心來愛</a:t>
-            </a:r>
-            <a:r>
-              <a:rPr lang="zh-CN" altLang="en-US" sz="6400" b="1" dirty="0">
-                <a:solidFill>
-                  <a:srgbClr val="000066"/>
-                </a:solidFill>
-                <a:latin typeface="微軟正黑體" pitchFamily="34" charset="-120"/>
-                <a:ea typeface="微軟正黑體" pitchFamily="34" charset="-120"/>
-              </a:rPr>
-              <a:t>袮</a:t>
+              <a:t>活著為要全心來</a:t>
+            </a:r>
+            <a:r>
+              <a:rPr lang="zh-TW" altLang="en-US" sz="6400" b="1" dirty="0" smtClean="0">
+                <a:solidFill>
+                  <a:srgbClr val="000066"/>
+                </a:solidFill>
+                <a:latin typeface="微軟正黑體" pitchFamily="34" charset="-120"/>
+                <a:ea typeface="微軟正黑體" pitchFamily="34" charset="-120"/>
+              </a:rPr>
+              <a:t>愛</a:t>
+            </a:r>
+            <a:r>
+              <a:rPr lang="zh-CN" altLang="en-US" sz="6400" b="1" dirty="0" smtClean="0">
+                <a:solidFill>
+                  <a:srgbClr val="000066"/>
+                </a:solidFill>
+                <a:latin typeface="微軟正黑體" pitchFamily="34" charset="-120"/>
+                <a:ea typeface="微軟正黑體" pitchFamily="34" charset="-120"/>
+              </a:rPr>
+              <a:t>祢</a:t>
             </a:r>
             <a:endParaRPr lang="en-US" altLang="zh-TW" sz="6400" b="1" dirty="0">
               <a:solidFill>
@@ -4005,6 +4600,83 @@
               </a:solidFill>
               <a:latin typeface="微軟正黑體" pitchFamily="34" charset="-120"/>
               <a:ea typeface="微軟正黑體" pitchFamily="34" charset="-120"/>
+            </a:endParaRPr>
+          </a:p>
+        </p:txBody>
+      </p:sp>
+      <p:sp>
+        <p:nvSpPr>
+          <p:cNvPr id="3" name="TextBox 2"/>
+          <p:cNvSpPr txBox="1"/>
+          <p:nvPr/>
+        </p:nvSpPr>
+        <p:spPr>
+          <a:xfrm>
+            <a:off x="0" y="5134109"/>
+            <a:ext cx="12192000" cy="646331"/>
+          </a:xfrm>
+          <a:prstGeom prst="rect">
+            <a:avLst/>
+          </a:prstGeom>
+          <a:noFill/>
+        </p:spPr>
+        <p:txBody>
+          <a:bodyPr wrap="square" rtlCol="0" anchor="ctr">
+            <a:spAutoFit/>
+          </a:bodyPr>
+          <a:lstStyle/>
+          <a:p>
+            <a:pPr algn="ctr"/>
+            <a:r>
+              <a:rPr lang="en-US" sz="3600" b="1" dirty="0">
+                <a:solidFill>
+                  <a:srgbClr val="000066"/>
+                </a:solidFill>
+                <a:effectLst/>
+                <a:latin typeface="Microsoft JhengHei" panose="020B0604030504040204" pitchFamily="34" charset="-120"/>
+                <a:ea typeface="Microsoft JhengHei" panose="020B0604030504040204" pitchFamily="34" charset="-120"/>
+              </a:rPr>
+              <a:t>( </a:t>
+            </a:r>
+            <a:r>
+              <a:rPr lang="zh-CN" altLang="en-US" sz="3600" b="1" dirty="0" smtClean="0">
+                <a:solidFill>
+                  <a:srgbClr val="000066"/>
+                </a:solidFill>
+                <a:effectLst/>
+                <a:latin typeface="Microsoft JhengHei" panose="020B0604030504040204" pitchFamily="34" charset="-120"/>
+                <a:ea typeface="Microsoft JhengHei" panose="020B0604030504040204" pitchFamily="34" charset="-120"/>
+              </a:rPr>
+              <a:t>副</a:t>
+            </a:r>
+            <a:r>
+              <a:rPr lang="en-US" sz="3600" b="1" dirty="0" smtClean="0">
+                <a:solidFill>
+                  <a:srgbClr val="000066"/>
+                </a:solidFill>
+                <a:effectLst/>
+                <a:latin typeface="Microsoft JhengHei" panose="020B0604030504040204" pitchFamily="34" charset="-120"/>
+                <a:ea typeface="Microsoft JhengHei" panose="020B0604030504040204" pitchFamily="34" charset="-120"/>
+              </a:rPr>
+              <a:t> </a:t>
+            </a:r>
+            <a:r>
+              <a:rPr lang="en-US" sz="3600" b="1" dirty="0">
+                <a:solidFill>
+                  <a:srgbClr val="000066"/>
+                </a:solidFill>
+                <a:effectLst/>
+                <a:latin typeface="Microsoft JhengHei" panose="020B0604030504040204" pitchFamily="34" charset="-120"/>
+                <a:ea typeface="Microsoft JhengHei" panose="020B0604030504040204" pitchFamily="34" charset="-120"/>
+              </a:rPr>
+              <a:t>)</a:t>
+            </a:r>
+            <a:endParaRPr lang="vi-VN" sz="3600" b="1" dirty="0">
+              <a:solidFill>
+                <a:srgbClr val="000066"/>
+              </a:solidFill>
+              <a:effectLst/>
+              <a:ea typeface="Microsoft JhengHei" panose="020B0604030504040204" pitchFamily="34" charset="-120"/>
             </a:endParaRPr>
           </a:p>
         </p:txBody>
@@ -4072,17 +4744,37 @@
                 <a:latin typeface="微軟正黑體" pitchFamily="34" charset="-120"/>
                 <a:ea typeface="微軟正黑體" pitchFamily="34" charset="-120"/>
               </a:rPr>
-              <a:t>永遠住在</a:t>
-            </a:r>
-            <a:r>
-              <a:rPr lang="zh-CN" altLang="en-US" sz="6400" b="1" dirty="0">
-                <a:solidFill>
-                  <a:srgbClr val="000066"/>
-                </a:solidFill>
-                <a:latin typeface="微軟正黑體" pitchFamily="34" charset="-120"/>
-                <a:ea typeface="微軟正黑體" pitchFamily="34" charset="-120"/>
-              </a:rPr>
-              <a:t>袮</a:t>
+              <a:t>永遠住</a:t>
+            </a:r>
+            <a:r>
+              <a:rPr lang="zh-TW" altLang="en-US" sz="6400" b="1" dirty="0" smtClean="0">
+                <a:solidFill>
+                  <a:srgbClr val="000066"/>
+                </a:solidFill>
+                <a:latin typeface="微軟正黑體" pitchFamily="34" charset="-120"/>
+                <a:ea typeface="微軟正黑體" pitchFamily="34" charset="-120"/>
+              </a:rPr>
+              <a:t>在</a:t>
+            </a:r>
+            <a:r>
+              <a:rPr lang="zh-CN" altLang="en-US" sz="6400" b="1" dirty="0" smtClean="0">
+                <a:solidFill>
+                  <a:srgbClr val="000066"/>
+                </a:solidFill>
+                <a:latin typeface="微軟正黑體" pitchFamily="34" charset="-120"/>
+                <a:ea typeface="微軟正黑體" pitchFamily="34" charset="-120"/>
+              </a:rPr>
+              <a:t>祢</a:t>
+            </a:r>
+            <a:r>
+              <a:rPr lang="zh-TW" altLang="en-US" sz="6400" b="1" dirty="0" smtClean="0">
+                <a:solidFill>
+                  <a:srgbClr val="000066"/>
+                </a:solidFill>
+                <a:latin typeface="微軟正黑體" pitchFamily="34" charset="-120"/>
+                <a:ea typeface="微軟正黑體" pitchFamily="34" charset="-120"/>
+              </a:rPr>
+              <a:t>殿</a:t>
             </a:r>
             <a:r>
               <a:rPr lang="zh-TW" altLang="en-US" sz="6400" b="1" dirty="0">
@@ -4092,7 +4784,7 @@
                 <a:latin typeface="微軟正黑體" pitchFamily="34" charset="-120"/>
                 <a:ea typeface="微軟正黑體" pitchFamily="34" charset="-120"/>
               </a:rPr>
-              <a:t>殿中</a:t>
+              <a:t>中</a:t>
             </a:r>
             <a:endParaRPr lang="en-US" altLang="zh-TW" sz="6400" b="1" dirty="0">
               <a:solidFill>
@@ -4134,17 +4826,27 @@
                 <a:latin typeface="微軟正黑體" pitchFamily="34" charset="-120"/>
                 <a:ea typeface="微軟正黑體" pitchFamily="34" charset="-120"/>
               </a:rPr>
-              <a:t>我愛</a:t>
-            </a:r>
-            <a:r>
-              <a:rPr lang="zh-CN" altLang="en-US" sz="6400" b="1" dirty="0">
-                <a:solidFill>
-                  <a:srgbClr val="000066"/>
-                </a:solidFill>
-                <a:latin typeface="微軟正黑體" pitchFamily="34" charset="-120"/>
-                <a:ea typeface="微軟正黑體" pitchFamily="34" charset="-120"/>
-              </a:rPr>
-              <a:t>袮</a:t>
+              <a:t>我</a:t>
+            </a:r>
+            <a:r>
+              <a:rPr lang="zh-TW" altLang="en-US" sz="6400" b="1" dirty="0" smtClean="0">
+                <a:solidFill>
+                  <a:srgbClr val="000066"/>
+                </a:solidFill>
+                <a:latin typeface="微軟正黑體" pitchFamily="34" charset="-120"/>
+                <a:ea typeface="微軟正黑體" pitchFamily="34" charset="-120"/>
+              </a:rPr>
+              <a:t>愛</a:t>
+            </a:r>
+            <a:r>
+              <a:rPr lang="zh-CN" altLang="en-US" sz="6400" b="1" dirty="0" smtClean="0">
+                <a:solidFill>
+                  <a:srgbClr val="000066"/>
+                </a:solidFill>
+                <a:latin typeface="微軟正黑體" pitchFamily="34" charset="-120"/>
+                <a:ea typeface="微軟正黑體" pitchFamily="34" charset="-120"/>
+              </a:rPr>
+              <a:t>祢</a:t>
             </a:r>
             <a:endParaRPr lang="zh-TW" altLang="en-US" sz="6400" b="1" dirty="0">
               <a:solidFill>
@@ -4152,6 +4854,83 @@
               </a:solidFill>
               <a:latin typeface="微軟正黑體" pitchFamily="34" charset="-120"/>
               <a:ea typeface="微軟正黑體" pitchFamily="34" charset="-120"/>
+            </a:endParaRPr>
+          </a:p>
+        </p:txBody>
+      </p:sp>
+      <p:sp>
+        <p:nvSpPr>
+          <p:cNvPr id="3" name="TextBox 2"/>
+          <p:cNvSpPr txBox="1"/>
+          <p:nvPr/>
+        </p:nvSpPr>
+        <p:spPr>
+          <a:xfrm>
+            <a:off x="0" y="5134109"/>
+            <a:ext cx="12192000" cy="646331"/>
+          </a:xfrm>
+          <a:prstGeom prst="rect">
+            <a:avLst/>
+          </a:prstGeom>
+          <a:noFill/>
+        </p:spPr>
+        <p:txBody>
+          <a:bodyPr wrap="square" rtlCol="0" anchor="ctr">
+            <a:spAutoFit/>
+          </a:bodyPr>
+          <a:lstStyle/>
+          <a:p>
+            <a:pPr algn="ctr"/>
+            <a:r>
+              <a:rPr lang="en-US" sz="3600" b="1" dirty="0">
+                <a:solidFill>
+                  <a:srgbClr val="000066"/>
+                </a:solidFill>
+                <a:effectLst/>
+                <a:latin typeface="Microsoft JhengHei" panose="020B0604030504040204" pitchFamily="34" charset="-120"/>
+                <a:ea typeface="Microsoft JhengHei" panose="020B0604030504040204" pitchFamily="34" charset="-120"/>
+              </a:rPr>
+              <a:t>( </a:t>
+            </a:r>
+            <a:r>
+              <a:rPr lang="zh-CN" altLang="en-US" sz="3600" b="1" dirty="0" smtClean="0">
+                <a:solidFill>
+                  <a:srgbClr val="000066"/>
+                </a:solidFill>
+                <a:effectLst/>
+                <a:latin typeface="Microsoft JhengHei" panose="020B0604030504040204" pitchFamily="34" charset="-120"/>
+                <a:ea typeface="Microsoft JhengHei" panose="020B0604030504040204" pitchFamily="34" charset="-120"/>
+              </a:rPr>
+              <a:t>副</a:t>
+            </a:r>
+            <a:r>
+              <a:rPr lang="en-US" sz="3600" b="1" dirty="0" smtClean="0">
+                <a:solidFill>
+                  <a:srgbClr val="000066"/>
+                </a:solidFill>
+                <a:effectLst/>
+                <a:latin typeface="Microsoft JhengHei" panose="020B0604030504040204" pitchFamily="34" charset="-120"/>
+                <a:ea typeface="Microsoft JhengHei" panose="020B0604030504040204" pitchFamily="34" charset="-120"/>
+              </a:rPr>
+              <a:t> </a:t>
+            </a:r>
+            <a:r>
+              <a:rPr lang="en-US" sz="3600" b="1" dirty="0">
+                <a:solidFill>
+                  <a:srgbClr val="000066"/>
+                </a:solidFill>
+                <a:effectLst/>
+                <a:latin typeface="Microsoft JhengHei" panose="020B0604030504040204" pitchFamily="34" charset="-120"/>
+                <a:ea typeface="Microsoft JhengHei" panose="020B0604030504040204" pitchFamily="34" charset="-120"/>
+              </a:rPr>
+              <a:t>)</a:t>
+            </a:r>
+            <a:endParaRPr lang="vi-VN" sz="3600" b="1" dirty="0">
+              <a:solidFill>
+                <a:srgbClr val="000066"/>
+              </a:solidFill>
+              <a:effectLst/>
+              <a:ea typeface="Microsoft JhengHei" panose="020B0604030504040204" pitchFamily="34" charset="-120"/>
             </a:endParaRPr>
           </a:p>
         </p:txBody>
@@ -4219,17 +4998,27 @@
                 <a:latin typeface="微軟正黑體" pitchFamily="34" charset="-120"/>
                 <a:ea typeface="微軟正黑體" pitchFamily="34" charset="-120"/>
               </a:rPr>
-              <a:t>喔  我愛</a:t>
-            </a:r>
-            <a:r>
-              <a:rPr lang="zh-CN" altLang="en-US" sz="6400" b="1" dirty="0">
-                <a:solidFill>
-                  <a:srgbClr val="000066"/>
-                </a:solidFill>
-                <a:latin typeface="微軟正黑體" pitchFamily="34" charset="-120"/>
-                <a:ea typeface="微軟正黑體" pitchFamily="34" charset="-120"/>
-              </a:rPr>
-              <a:t>袮</a:t>
+              <a:t>喔  我</a:t>
+            </a:r>
+            <a:r>
+              <a:rPr lang="zh-TW" altLang="en-US" sz="6400" b="1" dirty="0" smtClean="0">
+                <a:solidFill>
+                  <a:srgbClr val="000066"/>
+                </a:solidFill>
+                <a:latin typeface="微軟正黑體" pitchFamily="34" charset="-120"/>
+                <a:ea typeface="微軟正黑體" pitchFamily="34" charset="-120"/>
+              </a:rPr>
+              <a:t>愛</a:t>
+            </a:r>
+            <a:r>
+              <a:rPr lang="zh-CN" altLang="en-US" sz="6400" b="1" dirty="0" smtClean="0">
+                <a:solidFill>
+                  <a:srgbClr val="000066"/>
+                </a:solidFill>
+                <a:latin typeface="微軟正黑體" pitchFamily="34" charset="-120"/>
+                <a:ea typeface="微軟正黑體" pitchFamily="34" charset="-120"/>
+              </a:rPr>
+              <a:t>祢</a:t>
             </a:r>
             <a:endParaRPr lang="en-US" altLang="zh-TW" sz="6400" b="1" dirty="0">
               <a:solidFill>
@@ -4251,17 +5040,27 @@
                 <a:latin typeface="微軟正黑體" pitchFamily="34" charset="-120"/>
                 <a:ea typeface="微軟正黑體" pitchFamily="34" charset="-120"/>
               </a:rPr>
-              <a:t>喔  全心敬拜</a:t>
-            </a:r>
-            <a:r>
-              <a:rPr lang="zh-CN" altLang="en-US" sz="6400" b="1" dirty="0">
-                <a:solidFill>
-                  <a:srgbClr val="000066"/>
-                </a:solidFill>
-                <a:latin typeface="微軟正黑體" pitchFamily="34" charset="-120"/>
-                <a:ea typeface="微軟正黑體" pitchFamily="34" charset="-120"/>
-              </a:rPr>
-              <a:t>袮</a:t>
+              <a:t>喔  全心敬</a:t>
+            </a:r>
+            <a:r>
+              <a:rPr lang="zh-TW" altLang="en-US" sz="6400" b="1" dirty="0" smtClean="0">
+                <a:solidFill>
+                  <a:srgbClr val="000066"/>
+                </a:solidFill>
+                <a:latin typeface="微軟正黑體" pitchFamily="34" charset="-120"/>
+                <a:ea typeface="微軟正黑體" pitchFamily="34" charset="-120"/>
+              </a:rPr>
+              <a:t>拜</a:t>
+            </a:r>
+            <a:r>
+              <a:rPr lang="zh-CN" altLang="en-US" sz="6400" b="1" dirty="0" smtClean="0">
+                <a:solidFill>
+                  <a:srgbClr val="000066"/>
+                </a:solidFill>
+                <a:latin typeface="微軟正黑體" pitchFamily="34" charset="-120"/>
+                <a:ea typeface="微軟正黑體" pitchFamily="34" charset="-120"/>
+              </a:rPr>
+              <a:t>祢</a:t>
             </a:r>
             <a:endParaRPr lang="en-US" altLang="zh-TW" sz="6400" b="1" dirty="0">
               <a:solidFill>
@@ -4269,6 +5068,94 @@
               </a:solidFill>
               <a:latin typeface="微軟正黑體" pitchFamily="34" charset="-120"/>
               <a:ea typeface="微軟正黑體" pitchFamily="34" charset="-120"/>
+            </a:endParaRPr>
+          </a:p>
+        </p:txBody>
+      </p:sp>
+      <p:sp>
+        <p:nvSpPr>
+          <p:cNvPr id="3" name="TextBox 2"/>
+          <p:cNvSpPr txBox="1"/>
+          <p:nvPr/>
+        </p:nvSpPr>
+        <p:spPr>
+          <a:xfrm>
+            <a:off x="0" y="5134109"/>
+            <a:ext cx="12192000" cy="646331"/>
+          </a:xfrm>
+          <a:prstGeom prst="rect">
+            <a:avLst/>
+          </a:prstGeom>
+          <a:noFill/>
+        </p:spPr>
+        <p:txBody>
+          <a:bodyPr wrap="square" rtlCol="0" anchor="ctr">
+            <a:spAutoFit/>
+          </a:bodyPr>
+          <a:lstStyle/>
+          <a:p>
+            <a:pPr algn="ctr"/>
+            <a:r>
+              <a:rPr lang="en-US" sz="3600" b="1" dirty="0">
+                <a:solidFill>
+                  <a:srgbClr val="000066"/>
+                </a:solidFill>
+                <a:effectLst/>
+                <a:latin typeface="Microsoft JhengHei" panose="020B0604030504040204" pitchFamily="34" charset="-120"/>
+                <a:ea typeface="Microsoft JhengHei" panose="020B0604030504040204" pitchFamily="34" charset="-120"/>
+              </a:rPr>
+              <a:t>( </a:t>
+            </a:r>
+            <a:r>
+              <a:rPr lang="zh-CN" altLang="en-US" sz="3600" b="1" dirty="0" smtClean="0">
+                <a:solidFill>
+                  <a:srgbClr val="000066"/>
+                </a:solidFill>
+                <a:effectLst/>
+                <a:latin typeface="Microsoft JhengHei" panose="020B0604030504040204" pitchFamily="34" charset="-120"/>
+                <a:ea typeface="Microsoft JhengHei" panose="020B0604030504040204" pitchFamily="34" charset="-120"/>
+              </a:rPr>
+              <a:t>副 </a:t>
+            </a:r>
+            <a:r>
+              <a:rPr lang="en-US" altLang="zh-CN" sz="3600" b="1" dirty="0">
+                <a:solidFill>
+                  <a:srgbClr val="000066"/>
+                </a:solidFill>
+                <a:effectLst/>
+                <a:latin typeface="Microsoft JhengHei" panose="020B0604030504040204" pitchFamily="34" charset="-120"/>
+                <a:ea typeface="Microsoft JhengHei" panose="020B0604030504040204" pitchFamily="34" charset="-120"/>
+              </a:rPr>
+              <a:t>2</a:t>
+            </a:r>
+            <a:r>
+              <a:rPr lang="en-US" sz="3600" b="1" dirty="0" smtClean="0">
+                <a:solidFill>
+                  <a:srgbClr val="000066"/>
+                </a:solidFill>
+                <a:effectLst/>
+                <a:latin typeface="Microsoft JhengHei" panose="020B0604030504040204" pitchFamily="34" charset="-120"/>
+                <a:ea typeface="Microsoft JhengHei" panose="020B0604030504040204" pitchFamily="34" charset="-120"/>
+              </a:rPr>
+              <a:t> </a:t>
+            </a:r>
+            <a:r>
+              <a:rPr lang="en-US" sz="3600" b="1" dirty="0">
+                <a:solidFill>
+                  <a:srgbClr val="000066"/>
+                </a:solidFill>
+                <a:effectLst/>
+                <a:latin typeface="Microsoft JhengHei" panose="020B0604030504040204" pitchFamily="34" charset="-120"/>
+                <a:ea typeface="Microsoft JhengHei" panose="020B0604030504040204" pitchFamily="34" charset="-120"/>
+              </a:rPr>
+              <a:t>)</a:t>
+            </a:r>
+            <a:endParaRPr lang="vi-VN" sz="3600" b="1" dirty="0">
+              <a:solidFill>
+                <a:srgbClr val="000066"/>
+              </a:solidFill>
+              <a:effectLst/>
+              <a:ea typeface="Microsoft JhengHei" panose="020B0604030504040204" pitchFamily="34" charset="-120"/>
             </a:endParaRPr>
           </a:p>
         </p:txBody>
@@ -4378,17 +5265,27 @@
                 <a:latin typeface="微軟正黑體" pitchFamily="34" charset="-120"/>
                 <a:ea typeface="微軟正黑體" pitchFamily="34" charset="-120"/>
               </a:rPr>
-              <a:t>我愛</a:t>
-            </a:r>
-            <a:r>
-              <a:rPr lang="zh-CN" altLang="en-US" sz="6400" b="1" dirty="0">
-                <a:solidFill>
-                  <a:srgbClr val="000066"/>
-                </a:solidFill>
-                <a:latin typeface="微軟正黑體" pitchFamily="34" charset="-120"/>
-                <a:ea typeface="微軟正黑體" pitchFamily="34" charset="-120"/>
-              </a:rPr>
-              <a:t>袮</a:t>
+              <a:t>我</a:t>
+            </a:r>
+            <a:r>
+              <a:rPr lang="zh-TW" altLang="en-US" sz="6400" b="1" dirty="0" smtClean="0">
+                <a:solidFill>
+                  <a:srgbClr val="000066"/>
+                </a:solidFill>
+                <a:latin typeface="微軟正黑體" pitchFamily="34" charset="-120"/>
+                <a:ea typeface="微軟正黑體" pitchFamily="34" charset="-120"/>
+              </a:rPr>
+              <a:t>愛</a:t>
+            </a:r>
+            <a:r>
+              <a:rPr lang="zh-CN" altLang="en-US" sz="6400" b="1" dirty="0" smtClean="0">
+                <a:solidFill>
+                  <a:srgbClr val="000066"/>
+                </a:solidFill>
+                <a:latin typeface="微軟正黑體" pitchFamily="34" charset="-120"/>
+                <a:ea typeface="微軟正黑體" pitchFamily="34" charset="-120"/>
+              </a:rPr>
+              <a:t>祢</a:t>
             </a:r>
             <a:endParaRPr lang="zh-TW" altLang="en-US" sz="6400" b="1" dirty="0">
               <a:solidFill>
@@ -4396,6 +5293,94 @@
               </a:solidFill>
               <a:latin typeface="微軟正黑體" pitchFamily="34" charset="-120"/>
               <a:ea typeface="微軟正黑體" pitchFamily="34" charset="-120"/>
+            </a:endParaRPr>
+          </a:p>
+        </p:txBody>
+      </p:sp>
+      <p:sp>
+        <p:nvSpPr>
+          <p:cNvPr id="3" name="TextBox 2"/>
+          <p:cNvSpPr txBox="1"/>
+          <p:nvPr/>
+        </p:nvSpPr>
+        <p:spPr>
+          <a:xfrm>
+            <a:off x="0" y="5134109"/>
+            <a:ext cx="12192000" cy="646331"/>
+          </a:xfrm>
+          <a:prstGeom prst="rect">
+            <a:avLst/>
+          </a:prstGeom>
+          <a:noFill/>
+        </p:spPr>
+        <p:txBody>
+          <a:bodyPr wrap="square" rtlCol="0" anchor="ctr">
+            <a:spAutoFit/>
+          </a:bodyPr>
+          <a:lstStyle/>
+          <a:p>
+            <a:pPr algn="ctr"/>
+            <a:r>
+              <a:rPr lang="en-US" sz="3600" b="1" dirty="0">
+                <a:solidFill>
+                  <a:srgbClr val="000066"/>
+                </a:solidFill>
+                <a:effectLst/>
+                <a:latin typeface="Microsoft JhengHei" panose="020B0604030504040204" pitchFamily="34" charset="-120"/>
+                <a:ea typeface="Microsoft JhengHei" panose="020B0604030504040204" pitchFamily="34" charset="-120"/>
+              </a:rPr>
+              <a:t>( </a:t>
+            </a:r>
+            <a:r>
+              <a:rPr lang="zh-CN" altLang="en-US" sz="3600" b="1" dirty="0" smtClean="0">
+                <a:solidFill>
+                  <a:srgbClr val="000066"/>
+                </a:solidFill>
+                <a:effectLst/>
+                <a:latin typeface="Microsoft JhengHei" panose="020B0604030504040204" pitchFamily="34" charset="-120"/>
+                <a:ea typeface="Microsoft JhengHei" panose="020B0604030504040204" pitchFamily="34" charset="-120"/>
+              </a:rPr>
+              <a:t>副 </a:t>
+            </a:r>
+            <a:r>
+              <a:rPr lang="en-US" altLang="zh-CN" sz="3600" b="1" dirty="0">
+                <a:solidFill>
+                  <a:srgbClr val="000066"/>
+                </a:solidFill>
+                <a:effectLst/>
+                <a:latin typeface="Microsoft JhengHei" panose="020B0604030504040204" pitchFamily="34" charset="-120"/>
+                <a:ea typeface="Microsoft JhengHei" panose="020B0604030504040204" pitchFamily="34" charset="-120"/>
+              </a:rPr>
+              <a:t>2</a:t>
+            </a:r>
+            <a:r>
+              <a:rPr lang="en-US" sz="3600" b="1" dirty="0" smtClean="0">
+                <a:solidFill>
+                  <a:srgbClr val="000066"/>
+                </a:solidFill>
+                <a:effectLst/>
+                <a:latin typeface="Microsoft JhengHei" panose="020B0604030504040204" pitchFamily="34" charset="-120"/>
+                <a:ea typeface="Microsoft JhengHei" panose="020B0604030504040204" pitchFamily="34" charset="-120"/>
+              </a:rPr>
+              <a:t> </a:t>
+            </a:r>
+            <a:r>
+              <a:rPr lang="en-US" sz="3600" b="1" dirty="0">
+                <a:solidFill>
+                  <a:srgbClr val="000066"/>
+                </a:solidFill>
+                <a:effectLst/>
+                <a:latin typeface="Microsoft JhengHei" panose="020B0604030504040204" pitchFamily="34" charset="-120"/>
+                <a:ea typeface="Microsoft JhengHei" panose="020B0604030504040204" pitchFamily="34" charset="-120"/>
+              </a:rPr>
+              <a:t>)</a:t>
+            </a:r>
+            <a:endParaRPr lang="vi-VN" sz="3600" b="1" dirty="0">
+              <a:solidFill>
+                <a:srgbClr val="000066"/>
+              </a:solidFill>
+              <a:effectLst/>
+              <a:ea typeface="Microsoft JhengHei" panose="020B0604030504040204" pitchFamily="34" charset="-120"/>
             </a:endParaRPr>
           </a:p>
         </p:txBody>
